--- a/src/mzkit/man.pptx
+++ b/src/mzkit/man.pptx
@@ -5,15 +5,16 @@
     <p:sldMasterId id="2147483648" r:id="rId1"/>
   </p:sldMasterIdLst>
   <p:notesMasterIdLst>
-    <p:notesMasterId r:id="rId5"/>
+    <p:notesMasterId r:id="rId6"/>
   </p:notesMasterIdLst>
   <p:handoutMasterIdLst>
-    <p:handoutMasterId r:id="rId6"/>
+    <p:handoutMasterId r:id="rId7"/>
   </p:handoutMasterIdLst>
   <p:sldIdLst>
     <p:sldId id="258" r:id="rId2"/>
     <p:sldId id="262" r:id="rId3"/>
-    <p:sldId id="260" r:id="rId4"/>
+    <p:sldId id="263" r:id="rId4"/>
+    <p:sldId id="260" r:id="rId5"/>
   </p:sldIdLst>
   <p:sldSz cx="9144000" cy="5715000" type="screen16x10"/>
   <p:notesSz cx="6858000" cy="9144000"/>
@@ -5350,6 +5351,240 @@
 </file>
 
 <file path=ppt/slides/slide3.xml><?xml version="1.0" encoding="utf-8"?>
+<p:sld xmlns:a="http://schemas.openxmlformats.org/drawingml/2006/main" xmlns:r="http://schemas.openxmlformats.org/officeDocument/2006/relationships" xmlns:p="http://schemas.openxmlformats.org/presentationml/2006/main">
+  <p:cSld>
+    <p:spTree>
+      <p:nvGrpSpPr>
+        <p:cNvPr id="1" name=""/>
+        <p:cNvGrpSpPr/>
+        <p:nvPr/>
+      </p:nvGrpSpPr>
+      <p:grpSpPr>
+        <a:xfrm>
+          <a:off x="0" y="0"/>
+          <a:ext cx="0" cy="0"/>
+          <a:chOff x="0" y="0"/>
+          <a:chExt cx="0" cy="0"/>
+        </a:xfrm>
+      </p:grpSpPr>
+      <p:sp>
+        <p:nvSpPr>
+          <p:cNvPr id="2" name="TextBox 1"/>
+          <p:cNvSpPr txBox="1"/>
+          <p:nvPr/>
+        </p:nvSpPr>
+        <p:spPr>
+          <a:xfrm>
+            <a:off x="1029623" y="77580"/>
+            <a:ext cx="2600060" cy="625998"/>
+          </a:xfrm>
+          <a:prstGeom prst="rect">
+            <a:avLst/>
+          </a:prstGeom>
+          <a:noFill/>
+        </p:spPr>
+        <p:txBody>
+          <a:bodyPr wrap="none" lIns="71305" tIns="35652" rIns="71305" bIns="35652" rtlCol="0">
+            <a:spAutoFit/>
+          </a:bodyPr>
+          <a:lstStyle/>
+          <a:p>
+            <a:r>
+              <a:rPr lang="en-US" altLang="zh-CN" sz="3600" dirty="0" smtClean="0">
+                <a:solidFill>
+                  <a:srgbClr val="203864"/>
+                </a:solidFill>
+                <a:latin typeface="Tahoma" panose="020B0604030504040204" pitchFamily="34" charset="0"/>
+                <a:ea typeface="Tahoma" panose="020B0604030504040204" pitchFamily="34" charset="0"/>
+                <a:cs typeface="Tahoma" panose="020B0604030504040204" pitchFamily="34" charset="0"/>
+              </a:rPr>
+              <a:t>Screenshots</a:t>
+            </a:r>
+            <a:endParaRPr lang="en-US" altLang="zh-CN" sz="3600" dirty="0">
+              <a:solidFill>
+                <a:srgbClr val="203864"/>
+              </a:solidFill>
+              <a:latin typeface="Tahoma" panose="020B0604030504040204" pitchFamily="34" charset="0"/>
+              <a:ea typeface="Tahoma" panose="020B0604030504040204" pitchFamily="34" charset="0"/>
+              <a:cs typeface="Tahoma" panose="020B0604030504040204" pitchFamily="34" charset="0"/>
+            </a:endParaRPr>
+          </a:p>
+        </p:txBody>
+      </p:sp>
+      <p:pic>
+        <p:nvPicPr>
+          <p:cNvPr id="4" name="图片 3"/>
+          <p:cNvPicPr>
+            <a:picLocks noChangeAspect="1"/>
+          </p:cNvPicPr>
+          <p:nvPr/>
+        </p:nvPicPr>
+        <p:blipFill>
+          <a:blip r:embed="rId2" cstate="print">
+            <a:extLst>
+              <a:ext uri="{28A0092B-C50C-407E-A947-70E740481C1C}">
+                <a14:useLocalDpi xmlns:a14="http://schemas.microsoft.com/office/drawing/2010/main" val="0"/>
+              </a:ext>
+            </a:extLst>
+          </a:blip>
+          <a:stretch>
+            <a:fillRect/>
+          </a:stretch>
+        </p:blipFill>
+        <p:spPr>
+          <a:xfrm>
+            <a:off x="1029623" y="980315"/>
+            <a:ext cx="3025252" cy="2000841"/>
+          </a:xfrm>
+          <a:prstGeom prst="rect">
+            <a:avLst/>
+          </a:prstGeom>
+          <a:effectLst>
+            <a:outerShdw blurRad="63500" sx="102000" sy="102000" algn="ctr" rotWithShape="0">
+              <a:prstClr val="black">
+                <a:alpha val="40000"/>
+              </a:prstClr>
+            </a:outerShdw>
+          </a:effectLst>
+        </p:spPr>
+      </p:pic>
+      <p:pic>
+        <p:nvPicPr>
+          <p:cNvPr id="5" name="图片 4"/>
+          <p:cNvPicPr>
+            <a:picLocks noChangeAspect="1"/>
+          </p:cNvPicPr>
+          <p:nvPr/>
+        </p:nvPicPr>
+        <p:blipFill>
+          <a:blip r:embed="rId3" cstate="print">
+            <a:extLst>
+              <a:ext uri="{28A0092B-C50C-407E-A947-70E740481C1C}">
+                <a14:useLocalDpi xmlns:a14="http://schemas.microsoft.com/office/drawing/2010/main" val="0"/>
+              </a:ext>
+            </a:extLst>
+          </a:blip>
+          <a:stretch>
+            <a:fillRect/>
+          </a:stretch>
+        </p:blipFill>
+        <p:spPr>
+          <a:xfrm>
+            <a:off x="5148063" y="985292"/>
+            <a:ext cx="3017727" cy="1995864"/>
+          </a:xfrm>
+          <a:prstGeom prst="rect">
+            <a:avLst/>
+          </a:prstGeom>
+          <a:effectLst>
+            <a:outerShdw blurRad="63500" sx="102000" sy="102000" algn="ctr" rotWithShape="0">
+              <a:prstClr val="black">
+                <a:alpha val="40000"/>
+              </a:prstClr>
+            </a:outerShdw>
+          </a:effectLst>
+        </p:spPr>
+      </p:pic>
+      <p:pic>
+        <p:nvPicPr>
+          <p:cNvPr id="6" name="图片 5"/>
+          <p:cNvPicPr>
+            <a:picLocks noChangeAspect="1"/>
+          </p:cNvPicPr>
+          <p:nvPr/>
+        </p:nvPicPr>
+        <p:blipFill>
+          <a:blip r:embed="rId4" cstate="print">
+            <a:extLst>
+              <a:ext uri="{28A0092B-C50C-407E-A947-70E740481C1C}">
+                <a14:useLocalDpi xmlns:a14="http://schemas.microsoft.com/office/drawing/2010/main" val="0"/>
+              </a:ext>
+            </a:extLst>
+          </a:blip>
+          <a:stretch>
+            <a:fillRect/>
+          </a:stretch>
+        </p:blipFill>
+        <p:spPr>
+          <a:xfrm>
+            <a:off x="1029623" y="3329412"/>
+            <a:ext cx="2966313" cy="1961861"/>
+          </a:xfrm>
+          <a:prstGeom prst="rect">
+            <a:avLst/>
+          </a:prstGeom>
+          <a:effectLst>
+            <a:outerShdw blurRad="63500" sx="102000" sy="102000" algn="ctr" rotWithShape="0">
+              <a:prstClr val="black">
+                <a:alpha val="40000"/>
+              </a:prstClr>
+            </a:outerShdw>
+          </a:effectLst>
+        </p:spPr>
+      </p:pic>
+      <p:pic>
+        <p:nvPicPr>
+          <p:cNvPr id="7" name="图片 6"/>
+          <p:cNvPicPr>
+            <a:picLocks noChangeAspect="1"/>
+          </p:cNvPicPr>
+          <p:nvPr/>
+        </p:nvPicPr>
+        <p:blipFill>
+          <a:blip r:embed="rId5" cstate="print">
+            <a:extLst>
+              <a:ext uri="{28A0092B-C50C-407E-A947-70E740481C1C}">
+                <a14:useLocalDpi xmlns:a14="http://schemas.microsoft.com/office/drawing/2010/main" val="0"/>
+              </a:ext>
+            </a:extLst>
+          </a:blip>
+          <a:stretch>
+            <a:fillRect/>
+          </a:stretch>
+        </p:blipFill>
+        <p:spPr>
+          <a:xfrm>
+            <a:off x="5072806" y="3256482"/>
+            <a:ext cx="3168240" cy="2107719"/>
+          </a:xfrm>
+          <a:prstGeom prst="rect">
+            <a:avLst/>
+          </a:prstGeom>
+        </p:spPr>
+      </p:pic>
+    </p:spTree>
+    <p:extLst>
+      <p:ext uri="{BB962C8B-B14F-4D97-AF65-F5344CB8AC3E}">
+        <p14:creationId xmlns:p14="http://schemas.microsoft.com/office/powerpoint/2010/main" val="1817735039"/>
+      </p:ext>
+    </p:extLst>
+  </p:cSld>
+  <p:clrMapOvr>
+    <a:masterClrMapping/>
+  </p:clrMapOvr>
+  <mc:AlternateContent xmlns:mc="http://schemas.openxmlformats.org/markup-compatibility/2006" xmlns:p14="http://schemas.microsoft.com/office/powerpoint/2010/main">
+    <mc:Choice Requires="p14">
+      <p:transition spd="slow" p14:dur="1600" advTm="2000">
+        <p14:gallery dir="l"/>
+      </p:transition>
+    </mc:Choice>
+    <mc:Fallback xmlns="">
+      <p:transition spd="slow" advTm="2000">
+        <p:fade/>
+      </p:transition>
+    </mc:Fallback>
+  </mc:AlternateContent>
+  <p:timing>
+    <p:tnLst>
+      <p:par>
+        <p:cTn id="1" dur="indefinite" restart="never" nodeType="tmRoot"/>
+      </p:par>
+    </p:tnLst>
+  </p:timing>
+</p:sld>
+</file>
+
+<file path=ppt/slides/slide4.xml><?xml version="1.0" encoding="utf-8"?>
 <p:sld xmlns:a="http://schemas.openxmlformats.org/drawingml/2006/main" xmlns:r="http://schemas.openxmlformats.org/officeDocument/2006/relationships" xmlns:p="http://schemas.openxmlformats.org/presentationml/2006/main">
   <p:cSld>
     <p:spTree>

--- a/src/mzkit/man.pptx
+++ b/src/mzkit/man.pptx
@@ -5,16 +5,19 @@
     <p:sldMasterId id="2147483648" r:id="rId1"/>
   </p:sldMasterIdLst>
   <p:notesMasterIdLst>
-    <p:notesMasterId r:id="rId6"/>
+    <p:notesMasterId r:id="rId9"/>
   </p:notesMasterIdLst>
   <p:handoutMasterIdLst>
-    <p:handoutMasterId r:id="rId7"/>
+    <p:handoutMasterId r:id="rId10"/>
   </p:handoutMasterIdLst>
   <p:sldIdLst>
     <p:sldId id="258" r:id="rId2"/>
     <p:sldId id="262" r:id="rId3"/>
-    <p:sldId id="263" r:id="rId4"/>
-    <p:sldId id="260" r:id="rId5"/>
+    <p:sldId id="267" r:id="rId4"/>
+    <p:sldId id="265" r:id="rId5"/>
+    <p:sldId id="266" r:id="rId6"/>
+    <p:sldId id="268" r:id="rId7"/>
+    <p:sldId id="260" r:id="rId8"/>
   </p:sldIdLst>
   <p:sldSz cx="9144000" cy="5715000" type="screen16x10"/>
   <p:notesSz cx="6858000" cy="9144000"/>
@@ -5159,26 +5162,27 @@
       </p:grpSpPr>
       <p:sp>
         <p:nvSpPr>
-          <p:cNvPr id="2" name="TextBox 1"/>
-          <p:cNvSpPr txBox="1"/>
-          <p:nvPr/>
+          <p:cNvPr id="3" name="标题 2"/>
+          <p:cNvSpPr>
+            <a:spLocks noGrp="1"/>
+          </p:cNvSpPr>
+          <p:nvPr>
+            <p:ph type="title" idx="4294967295"/>
+          </p:nvPr>
         </p:nvSpPr>
         <p:spPr>
           <a:xfrm>
-            <a:off x="1029623" y="77580"/>
-            <a:ext cx="2633787" cy="625998"/>
-          </a:xfrm>
-          <a:prstGeom prst="rect">
-            <a:avLst/>
-          </a:prstGeom>
-          <a:noFill/>
+            <a:off x="1043608" y="121196"/>
+            <a:ext cx="5400600" cy="648071"/>
+          </a:xfrm>
         </p:spPr>
         <p:txBody>
-          <a:bodyPr wrap="none" lIns="71305" tIns="35652" rIns="71305" bIns="35652" rtlCol="0">
-            <a:spAutoFit/>
+          <a:bodyPr>
+            <a:normAutofit/>
           </a:bodyPr>
           <a:lstStyle/>
           <a:p>
+            <a:pPr algn="l"/>
             <a:r>
               <a:rPr lang="en-US" altLang="zh-CN" sz="3600" dirty="0" smtClean="0">
                 <a:solidFill>
@@ -5190,7 +5194,68 @@
               </a:rPr>
               <a:t>Introduction</a:t>
             </a:r>
-            <a:endParaRPr lang="en-US" altLang="zh-CN" sz="3600" dirty="0">
+            <a:endParaRPr lang="zh-CN" altLang="en-US" sz="3600" dirty="0"/>
+          </a:p>
+        </p:txBody>
+      </p:sp>
+      <p:sp>
+        <p:nvSpPr>
+          <p:cNvPr id="5" name="内容占位符 4"/>
+          <p:cNvSpPr>
+            <a:spLocks noGrp="1"/>
+          </p:cNvSpPr>
+          <p:nvPr>
+            <p:ph idx="4294967295"/>
+          </p:nvPr>
+        </p:nvSpPr>
+        <p:spPr>
+          <a:xfrm>
+            <a:off x="457200" y="971550"/>
+            <a:ext cx="8229600" cy="4190206"/>
+          </a:xfrm>
+        </p:spPr>
+        <p:txBody>
+          <a:bodyPr>
+            <a:normAutofit/>
+          </a:bodyPr>
+          <a:lstStyle/>
+          <a:p>
+            <a:r>
+              <a:rPr lang="en-US" altLang="zh-CN" sz="2400" dirty="0">
+                <a:solidFill>
+                  <a:srgbClr val="203864"/>
+                </a:solidFill>
+                <a:latin typeface="Tahoma" panose="020B0604030504040204" pitchFamily="34" charset="0"/>
+                <a:ea typeface="Tahoma" panose="020B0604030504040204" pitchFamily="34" charset="0"/>
+                <a:cs typeface="Tahoma" panose="020B0604030504040204" pitchFamily="34" charset="0"/>
+              </a:rPr>
+              <a:t>The main function of </a:t>
+            </a:r>
+            <a:r>
+              <a:rPr lang="en-US" altLang="zh-CN" sz="2400" dirty="0" err="1">
+                <a:solidFill>
+                  <a:srgbClr val="203864"/>
+                </a:solidFill>
+                <a:latin typeface="Tahoma" panose="020B0604030504040204" pitchFamily="34" charset="0"/>
+                <a:ea typeface="Tahoma" panose="020B0604030504040204" pitchFamily="34" charset="0"/>
+                <a:cs typeface="Tahoma" panose="020B0604030504040204" pitchFamily="34" charset="0"/>
+              </a:rPr>
+              <a:t>Mzkit</a:t>
+            </a:r>
+            <a:r>
+              <a:rPr lang="en-US" altLang="zh-CN" sz="2400" dirty="0">
+                <a:solidFill>
+                  <a:srgbClr val="203864"/>
+                </a:solidFill>
+                <a:latin typeface="Tahoma" panose="020B0604030504040204" pitchFamily="34" charset="0"/>
+                <a:ea typeface="Tahoma" panose="020B0604030504040204" pitchFamily="34" charset="0"/>
+                <a:cs typeface="Tahoma" panose="020B0604030504040204" pitchFamily="34" charset="0"/>
+              </a:rPr>
+              <a:t> includes:</a:t>
+            </a:r>
+          </a:p>
+          <a:p>
+            <a:endParaRPr lang="en-US" altLang="zh-CN" sz="2400" dirty="0">
               <a:solidFill>
                 <a:srgbClr val="203864"/>
               </a:solidFill>
@@ -5199,81 +5264,18 @@
               <a:cs typeface="Tahoma" panose="020B0604030504040204" pitchFamily="34" charset="0"/>
             </a:endParaRPr>
           </a:p>
-        </p:txBody>
-      </p:sp>
-      <p:sp>
-        <p:nvSpPr>
-          <p:cNvPr id="6" name="TextBox 5"/>
-          <p:cNvSpPr txBox="1"/>
-          <p:nvPr/>
-        </p:nvSpPr>
-        <p:spPr>
-          <a:xfrm>
-            <a:off x="395536" y="913284"/>
-            <a:ext cx="8568952" cy="1918660"/>
-          </a:xfrm>
-          <a:prstGeom prst="rect">
-            <a:avLst/>
-          </a:prstGeom>
-          <a:noFill/>
-        </p:spPr>
-        <p:txBody>
-          <a:bodyPr wrap="square" lIns="71305" tIns="35652" rIns="71305" bIns="35652" rtlCol="0">
-            <a:spAutoFit/>
-          </a:bodyPr>
-          <a:lstStyle/>
-          <a:p>
-            <a:r>
-              <a:rPr lang="en-US" altLang="zh-CN" sz="2400" dirty="0" smtClean="0">
-                <a:solidFill>
-                  <a:srgbClr val="203864"/>
-                </a:solidFill>
-                <a:latin typeface="微软雅黑" panose="020B0503020204020204" pitchFamily="34" charset="-122"/>
-                <a:ea typeface="微软雅黑" panose="020B0503020204020204" pitchFamily="34" charset="-122"/>
-              </a:rPr>
-              <a:t>The main function of </a:t>
-            </a:r>
-            <a:r>
-              <a:rPr lang="en-US" altLang="zh-CN" sz="2400" dirty="0" err="1" smtClean="0">
-                <a:solidFill>
-                  <a:srgbClr val="203864"/>
-                </a:solidFill>
-                <a:latin typeface="微软雅黑" panose="020B0503020204020204" pitchFamily="34" charset="-122"/>
-                <a:ea typeface="微软雅黑" panose="020B0503020204020204" pitchFamily="34" charset="-122"/>
-              </a:rPr>
-              <a:t>Mzkit</a:t>
-            </a:r>
-            <a:r>
-              <a:rPr lang="en-US" altLang="zh-CN" sz="2400" dirty="0" smtClean="0">
-                <a:solidFill>
-                  <a:srgbClr val="203864"/>
-                </a:solidFill>
-                <a:latin typeface="微软雅黑" panose="020B0503020204020204" pitchFamily="34" charset="-122"/>
-                <a:ea typeface="微软雅黑" panose="020B0503020204020204" pitchFamily="34" charset="-122"/>
-              </a:rPr>
-              <a:t> includes:</a:t>
-            </a:r>
-          </a:p>
-          <a:p>
-            <a:endParaRPr lang="en-US" altLang="zh-CN" sz="2400" dirty="0">
-              <a:solidFill>
-                <a:srgbClr val="203864"/>
-              </a:solidFill>
-              <a:latin typeface="微软雅黑" panose="020B0503020204020204" pitchFamily="34" charset="-122"/>
-              <a:ea typeface="微软雅黑" panose="020B0503020204020204" pitchFamily="34" charset="-122"/>
-            </a:endParaRPr>
-          </a:p>
           <a:p>
             <a:pPr marL="457200" indent="-457200">
               <a:buAutoNum type="arabicPeriod"/>
             </a:pPr>
             <a:r>
-              <a:rPr lang="en-US" altLang="zh-CN" sz="2400" dirty="0" smtClean="0">
+              <a:rPr lang="en-US" altLang="zh-CN" sz="2400" dirty="0">
                 <a:solidFill>
                   <a:srgbClr val="203864"/>
                 </a:solidFill>
-                <a:latin typeface="微软雅黑" panose="020B0503020204020204" pitchFamily="34" charset="-122"/>
-                <a:ea typeface="微软雅黑" panose="020B0503020204020204" pitchFamily="34" charset="-122"/>
+                <a:latin typeface="Tahoma" panose="020B0604030504040204" pitchFamily="34" charset="0"/>
+                <a:ea typeface="Tahoma" panose="020B0604030504040204" pitchFamily="34" charset="0"/>
+                <a:cs typeface="Tahoma" panose="020B0604030504040204" pitchFamily="34" charset="0"/>
               </a:rPr>
               <a:t>Raw Data Viewer</a:t>
             </a:r>
@@ -5283,12 +5285,13 @@
               <a:buAutoNum type="arabicPeriod"/>
             </a:pPr>
             <a:r>
-              <a:rPr lang="en-US" altLang="zh-CN" sz="2400" dirty="0" smtClean="0">
+              <a:rPr lang="en-US" altLang="zh-CN" sz="2400" dirty="0">
                 <a:solidFill>
                   <a:srgbClr val="203864"/>
                 </a:solidFill>
-                <a:latin typeface="微软雅黑" panose="020B0503020204020204" pitchFamily="34" charset="-122"/>
-                <a:ea typeface="微软雅黑" panose="020B0503020204020204" pitchFamily="34" charset="-122"/>
+                <a:latin typeface="Tahoma" panose="020B0604030504040204" pitchFamily="34" charset="0"/>
+                <a:ea typeface="Tahoma" panose="020B0604030504040204" pitchFamily="34" charset="0"/>
+                <a:cs typeface="Tahoma" panose="020B0604030504040204" pitchFamily="34" charset="0"/>
               </a:rPr>
               <a:t>Metabolite Feature Annotation</a:t>
             </a:r>
@@ -5298,31 +5301,284 @@
               <a:buAutoNum type="arabicPeriod"/>
             </a:pPr>
             <a:r>
-              <a:rPr lang="en-US" altLang="zh-CN" sz="2400" dirty="0" err="1" smtClean="0">
+              <a:rPr lang="en-US" altLang="zh-CN" sz="2400" dirty="0" err="1">
                 <a:solidFill>
                   <a:srgbClr val="203864"/>
                 </a:solidFill>
-                <a:latin typeface="微软雅黑" panose="020B0503020204020204" pitchFamily="34" charset="-122"/>
-                <a:ea typeface="微软雅黑" panose="020B0503020204020204" pitchFamily="34" charset="-122"/>
+                <a:latin typeface="Tahoma" panose="020B0604030504040204" pitchFamily="34" charset="0"/>
+                <a:ea typeface="Tahoma" panose="020B0604030504040204" pitchFamily="34" charset="0"/>
+                <a:cs typeface="Tahoma" panose="020B0604030504040204" pitchFamily="34" charset="0"/>
               </a:rPr>
               <a:t>Mulecular</a:t>
             </a:r>
             <a:r>
+              <a:rPr lang="en-US" altLang="zh-CN" sz="2400" dirty="0">
+                <a:solidFill>
+                  <a:srgbClr val="203864"/>
+                </a:solidFill>
+                <a:latin typeface="Tahoma" panose="020B0604030504040204" pitchFamily="34" charset="0"/>
+                <a:ea typeface="Tahoma" panose="020B0604030504040204" pitchFamily="34" charset="0"/>
+                <a:cs typeface="Tahoma" panose="020B0604030504040204" pitchFamily="34" charset="0"/>
+              </a:rPr>
+              <a:t> </a:t>
+            </a:r>
+            <a:r>
               <a:rPr lang="en-US" altLang="zh-CN" sz="2400" dirty="0" smtClean="0">
                 <a:solidFill>
                   <a:srgbClr val="203864"/>
                 </a:solidFill>
-                <a:latin typeface="微软雅黑" panose="020B0503020204020204" pitchFamily="34" charset="-122"/>
-                <a:ea typeface="微软雅黑" panose="020B0503020204020204" pitchFamily="34" charset="-122"/>
+                <a:latin typeface="Tahoma" panose="020B0604030504040204" pitchFamily="34" charset="0"/>
+                <a:ea typeface="Tahoma" panose="020B0604030504040204" pitchFamily="34" charset="0"/>
+                <a:cs typeface="Tahoma" panose="020B0604030504040204" pitchFamily="34" charset="0"/>
               </a:rPr>
-              <a:t> Networking</a:t>
-            </a:r>
+              <a:t>Networking</a:t>
+            </a:r>
+          </a:p>
+          <a:p>
+            <a:pPr marL="457200" indent="-457200">
+              <a:buAutoNum type="arabicPeriod"/>
+            </a:pPr>
             <a:endParaRPr lang="en-US" altLang="zh-CN" sz="2400" dirty="0" smtClean="0">
               <a:solidFill>
                 <a:srgbClr val="203864"/>
               </a:solidFill>
-              <a:latin typeface="微软雅黑" panose="020B0503020204020204" pitchFamily="34" charset="-122"/>
-              <a:ea typeface="微软雅黑" panose="020B0503020204020204" pitchFamily="34" charset="-122"/>
+              <a:latin typeface="Tahoma" panose="020B0604030504040204" pitchFamily="34" charset="0"/>
+              <a:ea typeface="Tahoma" panose="020B0604030504040204" pitchFamily="34" charset="0"/>
+              <a:cs typeface="Tahoma" panose="020B0604030504040204" pitchFamily="34" charset="0"/>
+            </a:endParaRPr>
+          </a:p>
+          <a:p>
+            <a:pPr marL="0" indent="0">
+              <a:buNone/>
+            </a:pPr>
+            <a:r>
+              <a:rPr lang="en-US" altLang="zh-CN" sz="2400" dirty="0" smtClean="0">
+                <a:solidFill>
+                  <a:srgbClr val="203864"/>
+                </a:solidFill>
+                <a:latin typeface="Tahoma" panose="020B0604030504040204" pitchFamily="34" charset="0"/>
+                <a:ea typeface="Tahoma" panose="020B0604030504040204" pitchFamily="34" charset="0"/>
+                <a:cs typeface="Tahoma" panose="020B0604030504040204" pitchFamily="34" charset="0"/>
+              </a:rPr>
+              <a:t>Open Source M/z Raw Data File Format Supports:</a:t>
+            </a:r>
+          </a:p>
+          <a:p>
+            <a:pPr marL="0" indent="0">
+              <a:buNone/>
+            </a:pPr>
+            <a:r>
+              <a:rPr lang="en-US" altLang="zh-CN" sz="2400" dirty="0" err="1" smtClean="0">
+                <a:solidFill>
+                  <a:srgbClr val="203864"/>
+                </a:solidFill>
+                <a:effectLst>
+                  <a:outerShdw blurRad="38100" dist="38100" dir="2700000" algn="tl">
+                    <a:srgbClr val="000000">
+                      <a:alpha val="43137"/>
+                    </a:srgbClr>
+                  </a:outerShdw>
+                </a:effectLst>
+                <a:latin typeface="Tahoma" panose="020B0604030504040204" pitchFamily="34" charset="0"/>
+                <a:ea typeface="Tahoma" panose="020B0604030504040204" pitchFamily="34" charset="0"/>
+                <a:cs typeface="Tahoma" panose="020B0604030504040204" pitchFamily="34" charset="0"/>
+              </a:rPr>
+              <a:t>mzML</a:t>
+            </a:r>
+            <a:r>
+              <a:rPr lang="en-US" altLang="zh-CN" sz="2400" dirty="0" smtClean="0">
+                <a:solidFill>
+                  <a:srgbClr val="203864"/>
+                </a:solidFill>
+                <a:effectLst>
+                  <a:outerShdw blurRad="38100" dist="38100" dir="2700000" algn="tl">
+                    <a:srgbClr val="000000">
+                      <a:alpha val="43137"/>
+                    </a:srgbClr>
+                  </a:outerShdw>
+                </a:effectLst>
+                <a:latin typeface="Tahoma" panose="020B0604030504040204" pitchFamily="34" charset="0"/>
+                <a:ea typeface="Tahoma" panose="020B0604030504040204" pitchFamily="34" charset="0"/>
+                <a:cs typeface="Tahoma" panose="020B0604030504040204" pitchFamily="34" charset="0"/>
+              </a:rPr>
+              <a:t>, </a:t>
+            </a:r>
+            <a:r>
+              <a:rPr lang="en-US" altLang="zh-CN" sz="2400" dirty="0" err="1" smtClean="0">
+                <a:solidFill>
+                  <a:srgbClr val="203864"/>
+                </a:solidFill>
+                <a:effectLst>
+                  <a:outerShdw blurRad="38100" dist="38100" dir="2700000" algn="tl">
+                    <a:srgbClr val="000000">
+                      <a:alpha val="43137"/>
+                    </a:srgbClr>
+                  </a:outerShdw>
+                </a:effectLst>
+                <a:latin typeface="Tahoma" panose="020B0604030504040204" pitchFamily="34" charset="0"/>
+                <a:ea typeface="Tahoma" panose="020B0604030504040204" pitchFamily="34" charset="0"/>
+                <a:cs typeface="Tahoma" panose="020B0604030504040204" pitchFamily="34" charset="0"/>
+              </a:rPr>
+              <a:t>mzXML</a:t>
+            </a:r>
+            <a:r>
+              <a:rPr lang="en-US" altLang="zh-CN" sz="2400" dirty="0" smtClean="0">
+                <a:solidFill>
+                  <a:srgbClr val="203864"/>
+                </a:solidFill>
+                <a:effectLst>
+                  <a:outerShdw blurRad="38100" dist="38100" dir="2700000" algn="tl">
+                    <a:srgbClr val="000000">
+                      <a:alpha val="43137"/>
+                    </a:srgbClr>
+                  </a:outerShdw>
+                </a:effectLst>
+                <a:latin typeface="Tahoma" panose="020B0604030504040204" pitchFamily="34" charset="0"/>
+                <a:ea typeface="Tahoma" panose="020B0604030504040204" pitchFamily="34" charset="0"/>
+                <a:cs typeface="Tahoma" panose="020B0604030504040204" pitchFamily="34" charset="0"/>
+              </a:rPr>
+              <a:t>, </a:t>
+            </a:r>
+            <a:r>
+              <a:rPr lang="en-US" altLang="zh-CN" sz="2400" dirty="0" err="1" smtClean="0">
+                <a:solidFill>
+                  <a:srgbClr val="203864"/>
+                </a:solidFill>
+                <a:effectLst>
+                  <a:outerShdw blurRad="38100" dist="38100" dir="2700000" algn="tl">
+                    <a:srgbClr val="000000">
+                      <a:alpha val="43137"/>
+                    </a:srgbClr>
+                  </a:outerShdw>
+                </a:effectLst>
+                <a:latin typeface="Tahoma" panose="020B0604030504040204" pitchFamily="34" charset="0"/>
+                <a:ea typeface="Tahoma" panose="020B0604030504040204" pitchFamily="34" charset="0"/>
+                <a:cs typeface="Tahoma" panose="020B0604030504040204" pitchFamily="34" charset="0"/>
+              </a:rPr>
+              <a:t>imzML</a:t>
+            </a:r>
+            <a:r>
+              <a:rPr lang="en-US" altLang="zh-CN" sz="2400" dirty="0" smtClean="0">
+                <a:solidFill>
+                  <a:srgbClr val="203864"/>
+                </a:solidFill>
+                <a:effectLst>
+                  <a:outerShdw blurRad="38100" dist="38100" dir="2700000" algn="tl">
+                    <a:srgbClr val="000000">
+                      <a:alpha val="43137"/>
+                    </a:srgbClr>
+                  </a:outerShdw>
+                </a:effectLst>
+                <a:latin typeface="Tahoma" panose="020B0604030504040204" pitchFamily="34" charset="0"/>
+                <a:ea typeface="Tahoma" panose="020B0604030504040204" pitchFamily="34" charset="0"/>
+                <a:cs typeface="Tahoma" panose="020B0604030504040204" pitchFamily="34" charset="0"/>
+              </a:rPr>
+              <a:t>, </a:t>
+            </a:r>
+            <a:r>
+              <a:rPr lang="en-US" altLang="zh-CN" sz="2400" dirty="0" err="1" smtClean="0">
+                <a:solidFill>
+                  <a:srgbClr val="203864"/>
+                </a:solidFill>
+                <a:effectLst>
+                  <a:outerShdw blurRad="38100" dist="38100" dir="2700000" algn="tl">
+                    <a:srgbClr val="000000">
+                      <a:alpha val="43137"/>
+                    </a:srgbClr>
+                  </a:outerShdw>
+                </a:effectLst>
+                <a:latin typeface="Tahoma" panose="020B0604030504040204" pitchFamily="34" charset="0"/>
+                <a:ea typeface="Tahoma" panose="020B0604030504040204" pitchFamily="34" charset="0"/>
+                <a:cs typeface="Tahoma" panose="020B0604030504040204" pitchFamily="34" charset="0"/>
+              </a:rPr>
+              <a:t>mzPack</a:t>
+            </a:r>
+            <a:r>
+              <a:rPr lang="en-US" altLang="zh-CN" sz="2400" dirty="0" smtClean="0">
+                <a:solidFill>
+                  <a:srgbClr val="203864"/>
+                </a:solidFill>
+                <a:effectLst>
+                  <a:outerShdw blurRad="38100" dist="38100" dir="2700000" algn="tl">
+                    <a:srgbClr val="000000">
+                      <a:alpha val="43137"/>
+                    </a:srgbClr>
+                  </a:outerShdw>
+                </a:effectLst>
+                <a:latin typeface="Tahoma" panose="020B0604030504040204" pitchFamily="34" charset="0"/>
+                <a:ea typeface="Tahoma" panose="020B0604030504040204" pitchFamily="34" charset="0"/>
+                <a:cs typeface="Tahoma" panose="020B0604030504040204" pitchFamily="34" charset="0"/>
+              </a:rPr>
+              <a:t>, </a:t>
+            </a:r>
+            <a:r>
+              <a:rPr lang="en-US" altLang="zh-CN" sz="2400" dirty="0" err="1" smtClean="0">
+                <a:solidFill>
+                  <a:srgbClr val="203864"/>
+                </a:solidFill>
+                <a:effectLst>
+                  <a:outerShdw blurRad="38100" dist="38100" dir="2700000" algn="tl">
+                    <a:srgbClr val="000000">
+                      <a:alpha val="43137"/>
+                    </a:srgbClr>
+                  </a:outerShdw>
+                </a:effectLst>
+                <a:latin typeface="Tahoma" panose="020B0604030504040204" pitchFamily="34" charset="0"/>
+                <a:ea typeface="Tahoma" panose="020B0604030504040204" pitchFamily="34" charset="0"/>
+                <a:cs typeface="Tahoma" panose="020B0604030504040204" pitchFamily="34" charset="0"/>
+              </a:rPr>
+              <a:t>netCDF</a:t>
+            </a:r>
+            <a:r>
+              <a:rPr lang="en-US" altLang="zh-CN" sz="2400" dirty="0" smtClean="0">
+                <a:solidFill>
+                  <a:srgbClr val="203864"/>
+                </a:solidFill>
+                <a:effectLst>
+                  <a:outerShdw blurRad="38100" dist="38100" dir="2700000" algn="tl">
+                    <a:srgbClr val="000000">
+                      <a:alpha val="43137"/>
+                    </a:srgbClr>
+                  </a:outerShdw>
+                </a:effectLst>
+                <a:latin typeface="Tahoma" panose="020B0604030504040204" pitchFamily="34" charset="0"/>
+                <a:ea typeface="Tahoma" panose="020B0604030504040204" pitchFamily="34" charset="0"/>
+                <a:cs typeface="Tahoma" panose="020B0604030504040204" pitchFamily="34" charset="0"/>
+              </a:rPr>
+              <a:t>, HDF, </a:t>
+            </a:r>
+            <a:r>
+              <a:rPr lang="en-US" altLang="zh-CN" sz="2400" dirty="0" err="1" smtClean="0">
+                <a:solidFill>
+                  <a:srgbClr val="203864"/>
+                </a:solidFill>
+                <a:effectLst>
+                  <a:outerShdw blurRad="38100" dist="38100" dir="2700000" algn="tl">
+                    <a:srgbClr val="000000">
+                      <a:alpha val="43137"/>
+                    </a:srgbClr>
+                  </a:outerShdw>
+                </a:effectLst>
+                <a:latin typeface="Tahoma" panose="020B0604030504040204" pitchFamily="34" charset="0"/>
+                <a:ea typeface="Tahoma" panose="020B0604030504040204" pitchFamily="34" charset="0"/>
+                <a:cs typeface="Tahoma" panose="020B0604030504040204" pitchFamily="34" charset="0"/>
+              </a:rPr>
+              <a:t>Mgf</a:t>
+            </a:r>
+            <a:endParaRPr lang="en-US" altLang="zh-CN" sz="2400" dirty="0" smtClean="0">
+              <a:solidFill>
+                <a:srgbClr val="203864"/>
+              </a:solidFill>
+              <a:effectLst>
+                <a:outerShdw blurRad="38100" dist="38100" dir="2700000" algn="tl">
+                  <a:srgbClr val="000000">
+                    <a:alpha val="43137"/>
+                  </a:srgbClr>
+                </a:outerShdw>
+              </a:effectLst>
+              <a:latin typeface="Tahoma" panose="020B0604030504040204" pitchFamily="34" charset="0"/>
+              <a:ea typeface="Tahoma" panose="020B0604030504040204" pitchFamily="34" charset="0"/>
+              <a:cs typeface="Tahoma" panose="020B0604030504040204" pitchFamily="34" charset="0"/>
             </a:endParaRPr>
           </a:p>
         </p:txBody>
@@ -5369,26 +5625,295 @@
       </p:grpSpPr>
       <p:sp>
         <p:nvSpPr>
-          <p:cNvPr id="2" name="TextBox 1"/>
-          <p:cNvSpPr txBox="1"/>
-          <p:nvPr/>
+          <p:cNvPr id="3" name="标题 2"/>
+          <p:cNvSpPr>
+            <a:spLocks noGrp="1"/>
+          </p:cNvSpPr>
+          <p:nvPr>
+            <p:ph type="title" idx="4294967295"/>
+          </p:nvPr>
         </p:nvSpPr>
         <p:spPr>
           <a:xfrm>
-            <a:off x="1029623" y="77580"/>
-            <a:ext cx="2600060" cy="625998"/>
-          </a:xfrm>
-          <a:prstGeom prst="rect">
-            <a:avLst/>
-          </a:prstGeom>
-          <a:noFill/>
+            <a:off x="1043608" y="121196"/>
+            <a:ext cx="5400600" cy="648071"/>
+          </a:xfrm>
         </p:spPr>
         <p:txBody>
-          <a:bodyPr wrap="none" lIns="71305" tIns="35652" rIns="71305" bIns="35652" rtlCol="0">
-            <a:spAutoFit/>
+          <a:bodyPr>
+            <a:normAutofit/>
           </a:bodyPr>
           <a:lstStyle/>
           <a:p>
+            <a:pPr algn="l"/>
+            <a:r>
+              <a:rPr lang="en-US" altLang="zh-CN" sz="3600" dirty="0">
+                <a:solidFill>
+                  <a:srgbClr val="203864"/>
+                </a:solidFill>
+                <a:latin typeface="Tahoma" panose="020B0604030504040204" pitchFamily="34" charset="0"/>
+                <a:ea typeface="Tahoma" panose="020B0604030504040204" pitchFamily="34" charset="0"/>
+                <a:cs typeface="Tahoma" panose="020B0604030504040204" pitchFamily="34" charset="0"/>
+              </a:rPr>
+              <a:t>LICENSE</a:t>
+            </a:r>
+            <a:endParaRPr lang="zh-CN" altLang="en-US" sz="3600" dirty="0">
+              <a:solidFill>
+                <a:srgbClr val="203864"/>
+              </a:solidFill>
+              <a:latin typeface="Tahoma" panose="020B0604030504040204" pitchFamily="34" charset="0"/>
+              <a:ea typeface="Tahoma" panose="020B0604030504040204" pitchFamily="34" charset="0"/>
+              <a:cs typeface="Tahoma" panose="020B0604030504040204" pitchFamily="34" charset="0"/>
+            </a:endParaRPr>
+          </a:p>
+        </p:txBody>
+      </p:sp>
+      <p:sp>
+        <p:nvSpPr>
+          <p:cNvPr id="5" name="内容占位符 4"/>
+          <p:cNvSpPr>
+            <a:spLocks noGrp="1"/>
+          </p:cNvSpPr>
+          <p:nvPr>
+            <p:ph idx="4294967295"/>
+          </p:nvPr>
+        </p:nvSpPr>
+        <p:spPr>
+          <a:xfrm>
+            <a:off x="457200" y="971550"/>
+            <a:ext cx="8229600" cy="4190206"/>
+          </a:xfrm>
+        </p:spPr>
+        <p:txBody>
+          <a:bodyPr>
+            <a:normAutofit/>
+          </a:bodyPr>
+          <a:lstStyle/>
+          <a:p>
+            <a:r>
+              <a:rPr lang="en-US" altLang="zh-CN" sz="2400" dirty="0" err="1" smtClean="0">
+                <a:solidFill>
+                  <a:srgbClr val="203864"/>
+                </a:solidFill>
+                <a:latin typeface="Tahoma" panose="020B0604030504040204" pitchFamily="34" charset="0"/>
+                <a:ea typeface="Tahoma" panose="020B0604030504040204" pitchFamily="34" charset="0"/>
+                <a:cs typeface="Tahoma" panose="020B0604030504040204" pitchFamily="34" charset="0"/>
+              </a:rPr>
+              <a:t>Mzkit</a:t>
+            </a:r>
+            <a:r>
+              <a:rPr lang="en-US" altLang="zh-CN" sz="2400" dirty="0" smtClean="0">
+                <a:solidFill>
+                  <a:srgbClr val="203864"/>
+                </a:solidFill>
+                <a:latin typeface="Tahoma" panose="020B0604030504040204" pitchFamily="34" charset="0"/>
+                <a:ea typeface="Tahoma" panose="020B0604030504040204" pitchFamily="34" charset="0"/>
+                <a:cs typeface="Tahoma" panose="020B0604030504040204" pitchFamily="34" charset="0"/>
+              </a:rPr>
+              <a:t> application and its </a:t>
+            </a:r>
+            <a:r>
+              <a:rPr lang="en-US" altLang="zh-CN" sz="2400" dirty="0">
+                <a:solidFill>
+                  <a:srgbClr val="203864"/>
+                </a:solidFill>
+                <a:latin typeface="Tahoma" panose="020B0604030504040204" pitchFamily="34" charset="0"/>
+                <a:ea typeface="Tahoma" panose="020B0604030504040204" pitchFamily="34" charset="0"/>
+                <a:cs typeface="Tahoma" panose="020B0604030504040204" pitchFamily="34" charset="0"/>
+              </a:rPr>
+              <a:t>source code is </a:t>
+            </a:r>
+            <a:r>
+              <a:rPr lang="en-US" altLang="zh-CN" sz="2400" dirty="0" smtClean="0">
+                <a:solidFill>
+                  <a:srgbClr val="203864"/>
+                </a:solidFill>
+                <a:latin typeface="Tahoma" panose="020B0604030504040204" pitchFamily="34" charset="0"/>
+                <a:ea typeface="Tahoma" panose="020B0604030504040204" pitchFamily="34" charset="0"/>
+                <a:cs typeface="Tahoma" panose="020B0604030504040204" pitchFamily="34" charset="0"/>
+              </a:rPr>
+              <a:t>distributed under the MIT open source license</a:t>
+            </a:r>
+          </a:p>
+          <a:p>
+            <a:endParaRPr lang="en-US" altLang="zh-CN" sz="2400" dirty="0">
+              <a:solidFill>
+                <a:srgbClr val="203864"/>
+              </a:solidFill>
+              <a:latin typeface="Tahoma" panose="020B0604030504040204" pitchFamily="34" charset="0"/>
+              <a:ea typeface="Tahoma" panose="020B0604030504040204" pitchFamily="34" charset="0"/>
+              <a:cs typeface="Tahoma" panose="020B0604030504040204" pitchFamily="34" charset="0"/>
+            </a:endParaRPr>
+          </a:p>
+          <a:p>
+            <a:r>
+              <a:rPr lang="en-US" altLang="zh-CN" sz="2400" dirty="0" smtClean="0">
+                <a:solidFill>
+                  <a:srgbClr val="203864"/>
+                </a:solidFill>
+                <a:latin typeface="Tahoma" panose="020B0604030504040204" pitchFamily="34" charset="0"/>
+                <a:ea typeface="Tahoma" panose="020B0604030504040204" pitchFamily="34" charset="0"/>
+                <a:cs typeface="Tahoma" panose="020B0604030504040204" pitchFamily="34" charset="0"/>
+              </a:rPr>
+              <a:t>Source Code:</a:t>
+            </a:r>
+          </a:p>
+          <a:p>
+            <a:r>
+              <a:rPr lang="en-US" altLang="zh-CN" sz="2400" dirty="0">
+                <a:solidFill>
+                  <a:srgbClr val="203864"/>
+                </a:solidFill>
+                <a:latin typeface="Tahoma" panose="020B0604030504040204" pitchFamily="34" charset="0"/>
+                <a:ea typeface="Tahoma" panose="020B0604030504040204" pitchFamily="34" charset="0"/>
+                <a:cs typeface="Tahoma" panose="020B0604030504040204" pitchFamily="34" charset="0"/>
+              </a:rPr>
+              <a:t>https://</a:t>
+            </a:r>
+            <a:r>
+              <a:rPr lang="en-US" altLang="zh-CN" sz="2400" dirty="0" smtClean="0">
+                <a:solidFill>
+                  <a:srgbClr val="203864"/>
+                </a:solidFill>
+                <a:latin typeface="Tahoma" panose="020B0604030504040204" pitchFamily="34" charset="0"/>
+                <a:ea typeface="Tahoma" panose="020B0604030504040204" pitchFamily="34" charset="0"/>
+                <a:cs typeface="Tahoma" panose="020B0604030504040204" pitchFamily="34" charset="0"/>
+              </a:rPr>
+              <a:t>github.com/xieguigang/mzkit</a:t>
+            </a:r>
+          </a:p>
+          <a:p>
+            <a:endParaRPr lang="en-US" altLang="zh-CN" sz="2400" dirty="0">
+              <a:solidFill>
+                <a:srgbClr val="203864"/>
+              </a:solidFill>
+              <a:latin typeface="Tahoma" panose="020B0604030504040204" pitchFamily="34" charset="0"/>
+              <a:ea typeface="Tahoma" panose="020B0604030504040204" pitchFamily="34" charset="0"/>
+              <a:cs typeface="Tahoma" panose="020B0604030504040204" pitchFamily="34" charset="0"/>
+            </a:endParaRPr>
+          </a:p>
+          <a:p>
+            <a:r>
+              <a:rPr lang="en-US" altLang="zh-CN" sz="2400" dirty="0" smtClean="0">
+                <a:solidFill>
+                  <a:srgbClr val="203864"/>
+                </a:solidFill>
+                <a:latin typeface="Tahoma" panose="020B0604030504040204" pitchFamily="34" charset="0"/>
+                <a:ea typeface="Tahoma" panose="020B0604030504040204" pitchFamily="34" charset="0"/>
+                <a:cs typeface="Tahoma" panose="020B0604030504040204" pitchFamily="34" charset="0"/>
+              </a:rPr>
+              <a:t>Downloads:</a:t>
+            </a:r>
+          </a:p>
+          <a:p>
+            <a:r>
+              <a:rPr lang="en-US" altLang="zh-CN" sz="2400" dirty="0">
+                <a:solidFill>
+                  <a:srgbClr val="203864"/>
+                </a:solidFill>
+                <a:latin typeface="Tahoma" panose="020B0604030504040204" pitchFamily="34" charset="0"/>
+                <a:ea typeface="Tahoma" panose="020B0604030504040204" pitchFamily="34" charset="0"/>
+                <a:cs typeface="Tahoma" panose="020B0604030504040204" pitchFamily="34" charset="0"/>
+              </a:rPr>
+              <a:t>http://</a:t>
+            </a:r>
+            <a:r>
+              <a:rPr lang="en-US" altLang="zh-CN" sz="2400" dirty="0" smtClean="0">
+                <a:solidFill>
+                  <a:srgbClr val="203864"/>
+                </a:solidFill>
+                <a:latin typeface="Tahoma" panose="020B0604030504040204" pitchFamily="34" charset="0"/>
+                <a:ea typeface="Tahoma" panose="020B0604030504040204" pitchFamily="34" charset="0"/>
+                <a:cs typeface="Tahoma" panose="020B0604030504040204" pitchFamily="34" charset="0"/>
+              </a:rPr>
+              <a:t>www.biodeep.cn/downloads?lang=en-US</a:t>
+            </a:r>
+          </a:p>
+          <a:p>
+            <a:endParaRPr lang="en-US" altLang="zh-CN" sz="2400" dirty="0" smtClean="0">
+              <a:solidFill>
+                <a:srgbClr val="203864"/>
+              </a:solidFill>
+              <a:latin typeface="Tahoma" panose="020B0604030504040204" pitchFamily="34" charset="0"/>
+              <a:ea typeface="Tahoma" panose="020B0604030504040204" pitchFamily="34" charset="0"/>
+              <a:cs typeface="Tahoma" panose="020B0604030504040204" pitchFamily="34" charset="0"/>
+            </a:endParaRPr>
+          </a:p>
+          <a:p>
+            <a:endParaRPr lang="en-US" altLang="zh-CN" sz="2400" dirty="0" smtClean="0">
+              <a:solidFill>
+                <a:srgbClr val="203864"/>
+              </a:solidFill>
+              <a:latin typeface="Tahoma" panose="020B0604030504040204" pitchFamily="34" charset="0"/>
+              <a:ea typeface="Tahoma" panose="020B0604030504040204" pitchFamily="34" charset="0"/>
+              <a:cs typeface="Tahoma" panose="020B0604030504040204" pitchFamily="34" charset="0"/>
+            </a:endParaRPr>
+          </a:p>
+        </p:txBody>
+      </p:sp>
+    </p:spTree>
+    <p:extLst>
+      <p:ext uri="{BB962C8B-B14F-4D97-AF65-F5344CB8AC3E}">
+        <p14:creationId xmlns:p14="http://schemas.microsoft.com/office/powerpoint/2010/main" val="4245888979"/>
+      </p:ext>
+    </p:extLst>
+  </p:cSld>
+  <p:clrMapOvr>
+    <a:masterClrMapping/>
+  </p:clrMapOvr>
+  <p:transition spd="slow" advTm="2000">
+    <p:push dir="u"/>
+  </p:transition>
+  <p:timing>
+    <p:tnLst>
+      <p:par>
+        <p:cTn id="1" dur="indefinite" restart="never" nodeType="tmRoot"/>
+      </p:par>
+    </p:tnLst>
+  </p:timing>
+</p:sld>
+</file>
+
+<file path=ppt/slides/slide4.xml><?xml version="1.0" encoding="utf-8"?>
+<p:sld xmlns:a="http://schemas.openxmlformats.org/drawingml/2006/main" xmlns:r="http://schemas.openxmlformats.org/officeDocument/2006/relationships" xmlns:p="http://schemas.openxmlformats.org/presentationml/2006/main">
+  <p:cSld>
+    <p:spTree>
+      <p:nvGrpSpPr>
+        <p:cNvPr id="1" name=""/>
+        <p:cNvGrpSpPr/>
+        <p:nvPr/>
+      </p:nvGrpSpPr>
+      <p:grpSpPr>
+        <a:xfrm>
+          <a:off x="0" y="0"/>
+          <a:ext cx="0" cy="0"/>
+          <a:chOff x="0" y="0"/>
+          <a:chExt cx="0" cy="0"/>
+        </a:xfrm>
+      </p:grpSpPr>
+      <p:sp>
+        <p:nvSpPr>
+          <p:cNvPr id="3" name="标题 2"/>
+          <p:cNvSpPr>
+            <a:spLocks noGrp="1"/>
+          </p:cNvSpPr>
+          <p:nvPr>
+            <p:ph type="title" idx="4294967295"/>
+          </p:nvPr>
+        </p:nvSpPr>
+        <p:spPr>
+          <a:xfrm>
+            <a:off x="1043608" y="121196"/>
+            <a:ext cx="6480720" cy="648071"/>
+          </a:xfrm>
+        </p:spPr>
+        <p:txBody>
+          <a:bodyPr>
+            <a:normAutofit/>
+          </a:bodyPr>
+          <a:lstStyle/>
+          <a:p>
+            <a:pPr algn="l"/>
             <a:r>
               <a:rPr lang="en-US" altLang="zh-CN" sz="3600" dirty="0" smtClean="0">
                 <a:solidFill>
@@ -5433,45 +5958,8 @@
         </p:blipFill>
         <p:spPr>
           <a:xfrm>
-            <a:off x="1029623" y="980315"/>
-            <a:ext cx="3025252" cy="2000841"/>
-          </a:xfrm>
-          <a:prstGeom prst="rect">
-            <a:avLst/>
-          </a:prstGeom>
-          <a:effectLst>
-            <a:outerShdw blurRad="63500" sx="102000" sy="102000" algn="ctr" rotWithShape="0">
-              <a:prstClr val="black">
-                <a:alpha val="40000"/>
-              </a:prstClr>
-            </a:outerShdw>
-          </a:effectLst>
-        </p:spPr>
-      </p:pic>
-      <p:pic>
-        <p:nvPicPr>
-          <p:cNvPr id="5" name="图片 4"/>
-          <p:cNvPicPr>
-            <a:picLocks noChangeAspect="1"/>
-          </p:cNvPicPr>
-          <p:nvPr/>
-        </p:nvPicPr>
-        <p:blipFill>
-          <a:blip r:embed="rId3" cstate="print">
-            <a:extLst>
-              <a:ext uri="{28A0092B-C50C-407E-A947-70E740481C1C}">
-                <a14:useLocalDpi xmlns:a14="http://schemas.microsoft.com/office/drawing/2010/main" val="0"/>
-              </a:ext>
-            </a:extLst>
-          </a:blip>
-          <a:stretch>
-            <a:fillRect/>
-          </a:stretch>
-        </p:blipFill>
-        <p:spPr>
-          <a:xfrm>
-            <a:off x="5148063" y="985292"/>
-            <a:ext cx="3017727" cy="1995864"/>
+            <a:off x="1299733" y="961386"/>
+            <a:ext cx="2880320" cy="1904986"/>
           </a:xfrm>
           <a:prstGeom prst="rect">
             <a:avLst/>
@@ -5494,7 +5982,7 @@
           <p:nvPr/>
         </p:nvPicPr>
         <p:blipFill>
-          <a:blip r:embed="rId4" cstate="print">
+          <a:blip r:embed="rId3" cstate="print">
             <a:extLst>
               <a:ext uri="{28A0092B-C50C-407E-A947-70E740481C1C}">
                 <a14:useLocalDpi xmlns:a14="http://schemas.microsoft.com/office/drawing/2010/main" val="0"/>
@@ -5507,8 +5995,8 @@
         </p:blipFill>
         <p:spPr>
           <a:xfrm>
-            <a:off x="1029623" y="3329412"/>
-            <a:ext cx="2966313" cy="1961861"/>
+            <a:off x="4767996" y="952513"/>
+            <a:ext cx="2952328" cy="1952611"/>
           </a:xfrm>
           <a:prstGeom prst="rect">
             <a:avLst/>
@@ -5531,6 +6019,43 @@
           <p:nvPr/>
         </p:nvPicPr>
         <p:blipFill>
+          <a:blip r:embed="rId4" cstate="print">
+            <a:extLst>
+              <a:ext uri="{28A0092B-C50C-407E-A947-70E740481C1C}">
+                <a14:useLocalDpi xmlns:a14="http://schemas.microsoft.com/office/drawing/2010/main" val="0"/>
+              </a:ext>
+            </a:extLst>
+          </a:blip>
+          <a:stretch>
+            <a:fillRect/>
+          </a:stretch>
+        </p:blipFill>
+        <p:spPr>
+          <a:xfrm>
+            <a:off x="1299733" y="3308782"/>
+            <a:ext cx="2880320" cy="1904987"/>
+          </a:xfrm>
+          <a:prstGeom prst="rect">
+            <a:avLst/>
+          </a:prstGeom>
+          <a:effectLst>
+            <a:outerShdw blurRad="63500" sx="102000" sy="102000" algn="ctr" rotWithShape="0">
+              <a:prstClr val="black">
+                <a:alpha val="40000"/>
+              </a:prstClr>
+            </a:outerShdw>
+          </a:effectLst>
+        </p:spPr>
+      </p:pic>
+      <p:pic>
+        <p:nvPicPr>
+          <p:cNvPr id="8" name="图片 7"/>
+          <p:cNvPicPr>
+            <a:picLocks noChangeAspect="1"/>
+          </p:cNvPicPr>
+          <p:nvPr/>
+        </p:nvPicPr>
+        <p:blipFill>
           <a:blip r:embed="rId5" cstate="print">
             <a:extLst>
               <a:ext uri="{28A0092B-C50C-407E-A947-70E740481C1C}">
@@ -5544,36 +6069,204 @@
         </p:blipFill>
         <p:spPr>
           <a:xfrm>
-            <a:off x="5072806" y="3256482"/>
-            <a:ext cx="3168240" cy="2107719"/>
+            <a:off x="4685974" y="3224670"/>
+            <a:ext cx="3116372" cy="2073213"/>
           </a:xfrm>
           <a:prstGeom prst="rect">
             <a:avLst/>
           </a:prstGeom>
         </p:spPr>
       </p:pic>
+      <p:sp>
+        <p:nvSpPr>
+          <p:cNvPr id="9" name="TextBox 8"/>
+          <p:cNvSpPr txBox="1"/>
+          <p:nvPr/>
+        </p:nvSpPr>
+        <p:spPr>
+          <a:xfrm>
+            <a:off x="1969004" y="5218676"/>
+            <a:ext cx="2715508" cy="307777"/>
+          </a:xfrm>
+          <a:prstGeom prst="rect">
+            <a:avLst/>
+          </a:prstGeom>
+          <a:noFill/>
+        </p:spPr>
+        <p:txBody>
+          <a:bodyPr wrap="square" rtlCol="0">
+            <a:spAutoFit/>
+          </a:bodyPr>
+          <a:lstStyle/>
+          <a:p>
+            <a:r>
+              <a:rPr lang="en-US" altLang="zh-CN" sz="1400" dirty="0" smtClean="0">
+                <a:latin typeface="Tahoma" panose="020B0604030504040204" pitchFamily="34" charset="0"/>
+                <a:ea typeface="Tahoma" panose="020B0604030504040204" pitchFamily="34" charset="0"/>
+                <a:cs typeface="Tahoma" panose="020B0604030504040204" pitchFamily="34" charset="0"/>
+              </a:rPr>
+              <a:t>c. 2D Scatter</a:t>
+            </a:r>
+            <a:endParaRPr lang="zh-CN" altLang="en-US" sz="1400" dirty="0">
+              <a:latin typeface="Tahoma" panose="020B0604030504040204" pitchFamily="34" charset="0"/>
+              <a:cs typeface="Tahoma" panose="020B0604030504040204" pitchFamily="34" charset="0"/>
+            </a:endParaRPr>
+          </a:p>
+        </p:txBody>
+      </p:sp>
+      <p:sp>
+        <p:nvSpPr>
+          <p:cNvPr id="10" name="矩形 9"/>
+          <p:cNvSpPr/>
+          <p:nvPr/>
+        </p:nvSpPr>
+        <p:spPr>
+          <a:xfrm>
+            <a:off x="4129244" y="2209426"/>
+            <a:ext cx="184731" cy="369332"/>
+          </a:xfrm>
+          <a:prstGeom prst="rect">
+            <a:avLst/>
+          </a:prstGeom>
+        </p:spPr>
+        <p:txBody>
+          <a:bodyPr wrap="none">
+            <a:spAutoFit/>
+          </a:bodyPr>
+          <a:lstStyle/>
+          <a:p>
+            <a:pPr lvl="0"/>
+            <a:endParaRPr lang="zh-CN" altLang="en-US" dirty="0">
+              <a:latin typeface="Tahoma" panose="020B0604030504040204" pitchFamily="34" charset="0"/>
+              <a:cs typeface="Tahoma" panose="020B0604030504040204" pitchFamily="34" charset="0"/>
+            </a:endParaRPr>
+          </a:p>
+        </p:txBody>
+      </p:sp>
+      <p:sp>
+        <p:nvSpPr>
+          <p:cNvPr id="12" name="矩形 11"/>
+          <p:cNvSpPr/>
+          <p:nvPr/>
+        </p:nvSpPr>
+        <p:spPr>
+          <a:xfrm>
+            <a:off x="5679013" y="5226435"/>
+            <a:ext cx="1346587" cy="307777"/>
+          </a:xfrm>
+          <a:prstGeom prst="rect">
+            <a:avLst/>
+          </a:prstGeom>
+        </p:spPr>
+        <p:txBody>
+          <a:bodyPr wrap="none">
+            <a:spAutoFit/>
+          </a:bodyPr>
+          <a:lstStyle/>
+          <a:p>
+            <a:pPr lvl="0"/>
+            <a:r>
+              <a:rPr lang="en-US" altLang="zh-CN" sz="1400" dirty="0" smtClean="0">
+                <a:latin typeface="Tahoma" panose="020B0604030504040204" pitchFamily="34" charset="0"/>
+                <a:ea typeface="Tahoma" panose="020B0604030504040204" pitchFamily="34" charset="0"/>
+                <a:cs typeface="Tahoma" panose="020B0604030504040204" pitchFamily="34" charset="0"/>
+              </a:rPr>
+              <a:t>d. MS-Imaging</a:t>
+            </a:r>
+            <a:endParaRPr lang="zh-CN" altLang="en-US" sz="1400" dirty="0">
+              <a:latin typeface="Tahoma" panose="020B0604030504040204" pitchFamily="34" charset="0"/>
+              <a:cs typeface="Tahoma" panose="020B0604030504040204" pitchFamily="34" charset="0"/>
+            </a:endParaRPr>
+          </a:p>
+        </p:txBody>
+      </p:sp>
+      <p:sp>
+        <p:nvSpPr>
+          <p:cNvPr id="13" name="矩形 12"/>
+          <p:cNvSpPr/>
+          <p:nvPr/>
+        </p:nvSpPr>
+        <p:spPr>
+          <a:xfrm>
+            <a:off x="1888921" y="2929506"/>
+            <a:ext cx="1701941" cy="307777"/>
+          </a:xfrm>
+          <a:prstGeom prst="rect">
+            <a:avLst/>
+          </a:prstGeom>
+        </p:spPr>
+        <p:txBody>
+          <a:bodyPr wrap="none">
+            <a:spAutoFit/>
+          </a:bodyPr>
+          <a:lstStyle/>
+          <a:p>
+            <a:pPr lvl="0"/>
+            <a:r>
+              <a:rPr lang="en-US" altLang="en-US" sz="1400" dirty="0" smtClean="0">
+                <a:latin typeface="Tahoma" panose="020B0604030504040204" pitchFamily="34" charset="0"/>
+                <a:ea typeface="Tahoma" panose="020B0604030504040204" pitchFamily="34" charset="0"/>
+                <a:cs typeface="Tahoma" panose="020B0604030504040204" pitchFamily="34" charset="0"/>
+              </a:rPr>
+              <a:t>a. Chromatography</a:t>
+            </a:r>
+            <a:endParaRPr lang="en-US" altLang="en-US" sz="1400" dirty="0">
+              <a:latin typeface="Tahoma" panose="020B0604030504040204" pitchFamily="34" charset="0"/>
+              <a:ea typeface="Tahoma" panose="020B0604030504040204" pitchFamily="34" charset="0"/>
+              <a:cs typeface="Tahoma" panose="020B0604030504040204" pitchFamily="34" charset="0"/>
+            </a:endParaRPr>
+          </a:p>
+        </p:txBody>
+      </p:sp>
+      <p:sp>
+        <p:nvSpPr>
+          <p:cNvPr id="14" name="矩形 13"/>
+          <p:cNvSpPr/>
+          <p:nvPr/>
+        </p:nvSpPr>
+        <p:spPr>
+          <a:xfrm>
+            <a:off x="5636525" y="2929508"/>
+            <a:ext cx="1143262" cy="307777"/>
+          </a:xfrm>
+          <a:prstGeom prst="rect">
+            <a:avLst/>
+          </a:prstGeom>
+        </p:spPr>
+        <p:txBody>
+          <a:bodyPr wrap="none">
+            <a:spAutoFit/>
+          </a:bodyPr>
+          <a:lstStyle/>
+          <a:p>
+            <a:r>
+              <a:rPr lang="en-US" altLang="zh-CN" sz="1400" dirty="0" smtClean="0">
+                <a:latin typeface="Tahoma" panose="020B0604030504040204" pitchFamily="34" charset="0"/>
+                <a:ea typeface="Tahoma" panose="020B0604030504040204" pitchFamily="34" charset="0"/>
+                <a:cs typeface="Tahoma" panose="020B0604030504040204" pitchFamily="34" charset="0"/>
+              </a:rPr>
+              <a:t>b. Spectrum</a:t>
+            </a:r>
+            <a:endParaRPr lang="zh-CN" altLang="en-US" sz="1400" dirty="0">
+              <a:latin typeface="Tahoma" panose="020B0604030504040204" pitchFamily="34" charset="0"/>
+              <a:cs typeface="Tahoma" panose="020B0604030504040204" pitchFamily="34" charset="0"/>
+            </a:endParaRPr>
+          </a:p>
+        </p:txBody>
+      </p:sp>
     </p:spTree>
     <p:extLst>
       <p:ext uri="{BB962C8B-B14F-4D97-AF65-F5344CB8AC3E}">
-        <p14:creationId xmlns:p14="http://schemas.microsoft.com/office/powerpoint/2010/main" val="1817735039"/>
+        <p14:creationId xmlns:p14="http://schemas.microsoft.com/office/powerpoint/2010/main" val="3612350459"/>
       </p:ext>
     </p:extLst>
   </p:cSld>
   <p:clrMapOvr>
     <a:masterClrMapping/>
   </p:clrMapOvr>
-  <mc:AlternateContent xmlns:mc="http://schemas.openxmlformats.org/markup-compatibility/2006" xmlns:p14="http://schemas.microsoft.com/office/powerpoint/2010/main">
-    <mc:Choice Requires="p14">
-      <p:transition spd="slow" p14:dur="1600" advTm="2000">
-        <p14:gallery dir="l"/>
-      </p:transition>
-    </mc:Choice>
-    <mc:Fallback xmlns="">
-      <p:transition spd="slow" advTm="2000">
-        <p:fade/>
-      </p:transition>
-    </mc:Fallback>
-  </mc:AlternateContent>
+  <p:transition spd="slow" advTm="2000">
+    <p:push dir="u"/>
+  </p:transition>
   <p:timing>
     <p:tnLst>
       <p:par>
@@ -5584,7 +6277,1145 @@
 </p:sld>
 </file>
 
-<file path=ppt/slides/slide4.xml><?xml version="1.0" encoding="utf-8"?>
+<file path=ppt/slides/slide5.xml><?xml version="1.0" encoding="utf-8"?>
+<p:sld xmlns:a="http://schemas.openxmlformats.org/drawingml/2006/main" xmlns:r="http://schemas.openxmlformats.org/officeDocument/2006/relationships" xmlns:p="http://schemas.openxmlformats.org/presentationml/2006/main">
+  <p:cSld>
+    <p:spTree>
+      <p:nvGrpSpPr>
+        <p:cNvPr id="1" name=""/>
+        <p:cNvGrpSpPr/>
+        <p:nvPr/>
+      </p:nvGrpSpPr>
+      <p:grpSpPr>
+        <a:xfrm>
+          <a:off x="0" y="0"/>
+          <a:ext cx="0" cy="0"/>
+          <a:chOff x="0" y="0"/>
+          <a:chExt cx="0" cy="0"/>
+        </a:xfrm>
+      </p:grpSpPr>
+      <p:sp>
+        <p:nvSpPr>
+          <p:cNvPr id="3" name="标题 2"/>
+          <p:cNvSpPr>
+            <a:spLocks noGrp="1"/>
+          </p:cNvSpPr>
+          <p:nvPr>
+            <p:ph type="title" idx="4294967295"/>
+          </p:nvPr>
+        </p:nvSpPr>
+        <p:spPr>
+          <a:xfrm>
+            <a:off x="1043608" y="121196"/>
+            <a:ext cx="5400600" cy="648071"/>
+          </a:xfrm>
+        </p:spPr>
+        <p:txBody>
+          <a:bodyPr>
+            <a:normAutofit/>
+          </a:bodyPr>
+          <a:lstStyle/>
+          <a:p>
+            <a:pPr algn="l"/>
+            <a:r>
+              <a:rPr lang="en-US" altLang="zh-CN" sz="3600" dirty="0" smtClean="0">
+                <a:solidFill>
+                  <a:srgbClr val="203864"/>
+                </a:solidFill>
+                <a:latin typeface="Tahoma" panose="020B0604030504040204" pitchFamily="34" charset="0"/>
+                <a:ea typeface="Tahoma" panose="020B0604030504040204" pitchFamily="34" charset="0"/>
+                <a:cs typeface="Tahoma" panose="020B0604030504040204" pitchFamily="34" charset="0"/>
+              </a:rPr>
+              <a:t>Main Screen</a:t>
+            </a:r>
+            <a:endParaRPr lang="zh-CN" altLang="en-US" sz="3600" dirty="0"/>
+          </a:p>
+        </p:txBody>
+      </p:sp>
+      <p:sp>
+        <p:nvSpPr>
+          <p:cNvPr id="5" name="内容占位符 4"/>
+          <p:cNvSpPr>
+            <a:spLocks noGrp="1"/>
+          </p:cNvSpPr>
+          <p:nvPr>
+            <p:ph idx="4294967295"/>
+          </p:nvPr>
+        </p:nvSpPr>
+        <p:spPr>
+          <a:xfrm>
+            <a:off x="2843808" y="5233764"/>
+            <a:ext cx="3456384" cy="288032"/>
+          </a:xfrm>
+        </p:spPr>
+        <p:txBody>
+          <a:bodyPr>
+            <a:normAutofit/>
+          </a:bodyPr>
+          <a:lstStyle/>
+          <a:p>
+            <a:r>
+              <a:rPr lang="en-US" altLang="zh-CN" sz="1100" dirty="0">
+                <a:solidFill>
+                  <a:srgbClr val="203864"/>
+                </a:solidFill>
+                <a:latin typeface="Tahoma" panose="020B0604030504040204" pitchFamily="34" charset="0"/>
+                <a:ea typeface="Tahoma" panose="020B0604030504040204" pitchFamily="34" charset="0"/>
+                <a:cs typeface="Tahoma" panose="020B0604030504040204" pitchFamily="34" charset="0"/>
+              </a:rPr>
+              <a:t>The main </a:t>
+            </a:r>
+            <a:r>
+              <a:rPr lang="en-US" altLang="zh-CN" sz="1100" dirty="0" smtClean="0">
+                <a:solidFill>
+                  <a:srgbClr val="203864"/>
+                </a:solidFill>
+                <a:latin typeface="Tahoma" panose="020B0604030504040204" pitchFamily="34" charset="0"/>
+                <a:ea typeface="Tahoma" panose="020B0604030504040204" pitchFamily="34" charset="0"/>
+                <a:cs typeface="Tahoma" panose="020B0604030504040204" pitchFamily="34" charset="0"/>
+              </a:rPr>
+              <a:t>screen page </a:t>
+            </a:r>
+            <a:r>
+              <a:rPr lang="en-US" altLang="zh-CN" sz="1100" dirty="0">
+                <a:solidFill>
+                  <a:srgbClr val="203864"/>
+                </a:solidFill>
+                <a:latin typeface="Tahoma" panose="020B0604030504040204" pitchFamily="34" charset="0"/>
+                <a:ea typeface="Tahoma" panose="020B0604030504040204" pitchFamily="34" charset="0"/>
+                <a:cs typeface="Tahoma" panose="020B0604030504040204" pitchFamily="34" charset="0"/>
+              </a:rPr>
+              <a:t>of </a:t>
+            </a:r>
+            <a:r>
+              <a:rPr lang="en-US" altLang="zh-CN" sz="1100" dirty="0" err="1">
+                <a:solidFill>
+                  <a:srgbClr val="203864"/>
+                </a:solidFill>
+                <a:latin typeface="Tahoma" panose="020B0604030504040204" pitchFamily="34" charset="0"/>
+                <a:ea typeface="Tahoma" panose="020B0604030504040204" pitchFamily="34" charset="0"/>
+                <a:cs typeface="Tahoma" panose="020B0604030504040204" pitchFamily="34" charset="0"/>
+              </a:rPr>
+              <a:t>Mzkit</a:t>
+            </a:r>
+            <a:r>
+              <a:rPr lang="en-US" altLang="zh-CN" sz="1100" dirty="0">
+                <a:solidFill>
+                  <a:srgbClr val="203864"/>
+                </a:solidFill>
+                <a:latin typeface="Tahoma" panose="020B0604030504040204" pitchFamily="34" charset="0"/>
+                <a:ea typeface="Tahoma" panose="020B0604030504040204" pitchFamily="34" charset="0"/>
+                <a:cs typeface="Tahoma" panose="020B0604030504040204" pitchFamily="34" charset="0"/>
+              </a:rPr>
+              <a:t> </a:t>
+            </a:r>
+            <a:r>
+              <a:rPr lang="en-US" altLang="zh-CN" sz="1100" dirty="0" smtClean="0">
+                <a:solidFill>
+                  <a:srgbClr val="203864"/>
+                </a:solidFill>
+                <a:latin typeface="Tahoma" panose="020B0604030504040204" pitchFamily="34" charset="0"/>
+                <a:ea typeface="Tahoma" panose="020B0604030504040204" pitchFamily="34" charset="0"/>
+                <a:cs typeface="Tahoma" panose="020B0604030504040204" pitchFamily="34" charset="0"/>
+              </a:rPr>
+              <a:t>application.</a:t>
+            </a:r>
+            <a:endParaRPr lang="en-US" altLang="zh-CN" sz="1100" dirty="0">
+              <a:solidFill>
+                <a:srgbClr val="203864"/>
+              </a:solidFill>
+              <a:latin typeface="Tahoma" panose="020B0604030504040204" pitchFamily="34" charset="0"/>
+              <a:ea typeface="Tahoma" panose="020B0604030504040204" pitchFamily="34" charset="0"/>
+              <a:cs typeface="Tahoma" panose="020B0604030504040204" pitchFamily="34" charset="0"/>
+            </a:endParaRPr>
+          </a:p>
+        </p:txBody>
+      </p:sp>
+      <p:pic>
+        <p:nvPicPr>
+          <p:cNvPr id="1026" name="Picture 2"/>
+          <p:cNvPicPr>
+            <a:picLocks noChangeAspect="1" noChangeArrowheads="1"/>
+          </p:cNvPicPr>
+          <p:nvPr/>
+        </p:nvPicPr>
+        <p:blipFill>
+          <a:blip r:embed="rId2">
+            <a:extLst>
+              <a:ext uri="{28A0092B-C50C-407E-A947-70E740481C1C}">
+                <a14:useLocalDpi xmlns:a14="http://schemas.microsoft.com/office/drawing/2010/main" val="0"/>
+              </a:ext>
+            </a:extLst>
+          </a:blip>
+          <a:srcRect/>
+          <a:stretch>
+            <a:fillRect/>
+          </a:stretch>
+        </p:blipFill>
+        <p:spPr bwMode="auto">
+          <a:xfrm>
+            <a:off x="1475656" y="1112144"/>
+            <a:ext cx="5707512" cy="3956397"/>
+          </a:xfrm>
+          <a:prstGeom prst="rect">
+            <a:avLst/>
+          </a:prstGeom>
+          <a:noFill/>
+          <a:ln>
+            <a:noFill/>
+          </a:ln>
+          <a:extLst>
+            <a:ext uri="{909E8E84-426E-40DD-AFC4-6F175D3DCCD1}">
+              <a14:hiddenFill xmlns:a14="http://schemas.microsoft.com/office/drawing/2010/main">
+                <a:solidFill>
+                  <a:schemeClr val="accent1"/>
+                </a:solidFill>
+              </a14:hiddenFill>
+            </a:ext>
+            <a:ext uri="{91240B29-F687-4F45-9708-019B960494DF}">
+              <a14:hiddenLine xmlns:a14="http://schemas.microsoft.com/office/drawing/2010/main" w="9525">
+                <a:solidFill>
+                  <a:schemeClr val="tx1"/>
+                </a:solidFill>
+                <a:miter lim="800000"/>
+                <a:headEnd/>
+                <a:tailEnd/>
+              </a14:hiddenLine>
+            </a:ext>
+          </a:extLst>
+        </p:spPr>
+      </p:pic>
+      <p:sp>
+        <p:nvSpPr>
+          <p:cNvPr id="2" name="矩形 1"/>
+          <p:cNvSpPr/>
+          <p:nvPr/>
+        </p:nvSpPr>
+        <p:spPr>
+          <a:xfrm>
+            <a:off x="1475656" y="1993404"/>
+            <a:ext cx="1440160" cy="2736304"/>
+          </a:xfrm>
+          <a:prstGeom prst="rect">
+            <a:avLst/>
+          </a:prstGeom>
+          <a:noFill/>
+          <a:ln w="31750">
+            <a:solidFill>
+              <a:srgbClr val="7030A0"/>
+            </a:solidFill>
+            <a:prstDash val="sysDash"/>
+          </a:ln>
+        </p:spPr>
+        <p:style>
+          <a:lnRef idx="2">
+            <a:schemeClr val="accent1">
+              <a:shade val="50000"/>
+            </a:schemeClr>
+          </a:lnRef>
+          <a:fillRef idx="1">
+            <a:schemeClr val="accent1"/>
+          </a:fillRef>
+          <a:effectRef idx="0">
+            <a:schemeClr val="accent1"/>
+          </a:effectRef>
+          <a:fontRef idx="minor">
+            <a:schemeClr val="lt1"/>
+          </a:fontRef>
+        </p:style>
+        <p:txBody>
+          <a:bodyPr rtlCol="0" anchor="ctr"/>
+          <a:lstStyle/>
+          <a:p>
+            <a:pPr algn="ctr"/>
+            <a:endParaRPr lang="zh-CN" altLang="en-US"/>
+          </a:p>
+        </p:txBody>
+      </p:sp>
+      <p:sp>
+        <p:nvSpPr>
+          <p:cNvPr id="4" name="TextBox 3"/>
+          <p:cNvSpPr txBox="1"/>
+          <p:nvPr/>
+        </p:nvSpPr>
+        <p:spPr>
+          <a:xfrm>
+            <a:off x="35947" y="2898917"/>
+            <a:ext cx="1314078" cy="338554"/>
+          </a:xfrm>
+          <a:prstGeom prst="rect">
+            <a:avLst/>
+          </a:prstGeom>
+          <a:noFill/>
+        </p:spPr>
+        <p:txBody>
+          <a:bodyPr wrap="none" rtlCol="0">
+            <a:spAutoFit/>
+          </a:bodyPr>
+          <a:lstStyle/>
+          <a:p>
+            <a:r>
+              <a:rPr lang="en-US" altLang="zh-CN" sz="1600" dirty="0" smtClean="0"/>
+              <a:t>Data Explorer</a:t>
+            </a:r>
+            <a:endParaRPr lang="zh-CN" altLang="en-US" sz="1600" dirty="0"/>
+          </a:p>
+        </p:txBody>
+      </p:sp>
+      <p:sp>
+        <p:nvSpPr>
+          <p:cNvPr id="7" name="矩形 6"/>
+          <p:cNvSpPr/>
+          <p:nvPr/>
+        </p:nvSpPr>
+        <p:spPr>
+          <a:xfrm>
+            <a:off x="3275856" y="2112724"/>
+            <a:ext cx="3240360" cy="2544975"/>
+          </a:xfrm>
+          <a:prstGeom prst="rect">
+            <a:avLst/>
+          </a:prstGeom>
+          <a:noFill/>
+          <a:ln w="31750">
+            <a:solidFill>
+              <a:srgbClr val="7030A0"/>
+            </a:solidFill>
+            <a:prstDash val="sysDash"/>
+          </a:ln>
+        </p:spPr>
+        <p:style>
+          <a:lnRef idx="2">
+            <a:schemeClr val="accent1">
+              <a:shade val="50000"/>
+            </a:schemeClr>
+          </a:lnRef>
+          <a:fillRef idx="1">
+            <a:schemeClr val="accent1"/>
+          </a:fillRef>
+          <a:effectRef idx="0">
+            <a:schemeClr val="accent1"/>
+          </a:effectRef>
+          <a:fontRef idx="minor">
+            <a:schemeClr val="lt1"/>
+          </a:fontRef>
+        </p:style>
+        <p:txBody>
+          <a:bodyPr rtlCol="0" anchor="ctr"/>
+          <a:lstStyle/>
+          <a:p>
+            <a:pPr algn="ctr"/>
+            <a:endParaRPr lang="zh-CN" altLang="en-US"/>
+          </a:p>
+        </p:txBody>
+      </p:sp>
+      <p:sp>
+        <p:nvSpPr>
+          <p:cNvPr id="8" name="TextBox 7"/>
+          <p:cNvSpPr txBox="1"/>
+          <p:nvPr/>
+        </p:nvSpPr>
+        <p:spPr>
+          <a:xfrm>
+            <a:off x="7447508" y="4371242"/>
+            <a:ext cx="1483868" cy="338554"/>
+          </a:xfrm>
+          <a:prstGeom prst="rect">
+            <a:avLst/>
+          </a:prstGeom>
+          <a:noFill/>
+        </p:spPr>
+        <p:txBody>
+          <a:bodyPr wrap="none" rtlCol="0">
+            <a:spAutoFit/>
+          </a:bodyPr>
+          <a:lstStyle/>
+          <a:p>
+            <a:r>
+              <a:rPr lang="en-US" altLang="zh-CN" sz="1600" dirty="0" smtClean="0"/>
+              <a:t>Content Viewer</a:t>
+            </a:r>
+            <a:endParaRPr lang="zh-CN" altLang="en-US" sz="1600" dirty="0"/>
+          </a:p>
+        </p:txBody>
+      </p:sp>
+      <p:sp>
+        <p:nvSpPr>
+          <p:cNvPr id="9" name="TextBox 8"/>
+          <p:cNvSpPr txBox="1"/>
+          <p:nvPr/>
+        </p:nvSpPr>
+        <p:spPr>
+          <a:xfrm>
+            <a:off x="7256824" y="3433564"/>
+            <a:ext cx="1762277" cy="338554"/>
+          </a:xfrm>
+          <a:prstGeom prst="rect">
+            <a:avLst/>
+          </a:prstGeom>
+          <a:noFill/>
+        </p:spPr>
+        <p:txBody>
+          <a:bodyPr wrap="none" rtlCol="0">
+            <a:spAutoFit/>
+          </a:bodyPr>
+          <a:lstStyle/>
+          <a:p>
+            <a:r>
+              <a:rPr lang="en-US" altLang="zh-CN" sz="1600" dirty="0" smtClean="0"/>
+              <a:t>Content Properties</a:t>
+            </a:r>
+            <a:endParaRPr lang="zh-CN" altLang="en-US" sz="1600" dirty="0"/>
+          </a:p>
+        </p:txBody>
+      </p:sp>
+      <p:sp>
+        <p:nvSpPr>
+          <p:cNvPr id="10" name="矩形 9"/>
+          <p:cNvSpPr/>
+          <p:nvPr/>
+        </p:nvSpPr>
+        <p:spPr>
+          <a:xfrm>
+            <a:off x="6746928" y="1837979"/>
+            <a:ext cx="489368" cy="1060938"/>
+          </a:xfrm>
+          <a:prstGeom prst="rect">
+            <a:avLst/>
+          </a:prstGeom>
+          <a:noFill/>
+          <a:ln w="31750">
+            <a:solidFill>
+              <a:srgbClr val="7030A0"/>
+            </a:solidFill>
+            <a:prstDash val="sysDash"/>
+          </a:ln>
+        </p:spPr>
+        <p:style>
+          <a:lnRef idx="2">
+            <a:schemeClr val="accent1">
+              <a:shade val="50000"/>
+            </a:schemeClr>
+          </a:lnRef>
+          <a:fillRef idx="1">
+            <a:schemeClr val="accent1"/>
+          </a:fillRef>
+          <a:effectRef idx="0">
+            <a:schemeClr val="accent1"/>
+          </a:effectRef>
+          <a:fontRef idx="minor">
+            <a:schemeClr val="lt1"/>
+          </a:fontRef>
+        </p:style>
+        <p:txBody>
+          <a:bodyPr rtlCol="0" anchor="ctr"/>
+          <a:lstStyle/>
+          <a:p>
+            <a:pPr algn="ctr"/>
+            <a:endParaRPr lang="zh-CN" altLang="en-US"/>
+          </a:p>
+        </p:txBody>
+      </p:sp>
+      <p:sp>
+        <p:nvSpPr>
+          <p:cNvPr id="11" name="矩形 10"/>
+          <p:cNvSpPr/>
+          <p:nvPr/>
+        </p:nvSpPr>
+        <p:spPr>
+          <a:xfrm>
+            <a:off x="1475656" y="4795772"/>
+            <a:ext cx="2592288" cy="268850"/>
+          </a:xfrm>
+          <a:prstGeom prst="rect">
+            <a:avLst/>
+          </a:prstGeom>
+          <a:noFill/>
+          <a:ln w="31750">
+            <a:solidFill>
+              <a:srgbClr val="7030A0"/>
+            </a:solidFill>
+            <a:prstDash val="sysDash"/>
+          </a:ln>
+        </p:spPr>
+        <p:style>
+          <a:lnRef idx="2">
+            <a:schemeClr val="accent1">
+              <a:shade val="50000"/>
+            </a:schemeClr>
+          </a:lnRef>
+          <a:fillRef idx="1">
+            <a:schemeClr val="accent1"/>
+          </a:fillRef>
+          <a:effectRef idx="0">
+            <a:schemeClr val="accent1"/>
+          </a:effectRef>
+          <a:fontRef idx="minor">
+            <a:schemeClr val="lt1"/>
+          </a:fontRef>
+        </p:style>
+        <p:txBody>
+          <a:bodyPr rtlCol="0" anchor="ctr"/>
+          <a:lstStyle/>
+          <a:p>
+            <a:pPr algn="ctr"/>
+            <a:endParaRPr lang="zh-CN" altLang="en-US"/>
+          </a:p>
+        </p:txBody>
+      </p:sp>
+      <p:sp>
+        <p:nvSpPr>
+          <p:cNvPr id="12" name="矩形 11"/>
+          <p:cNvSpPr/>
+          <p:nvPr/>
+        </p:nvSpPr>
+        <p:spPr>
+          <a:xfrm>
+            <a:off x="1475656" y="1112144"/>
+            <a:ext cx="3024336" cy="831870"/>
+          </a:xfrm>
+          <a:prstGeom prst="rect">
+            <a:avLst/>
+          </a:prstGeom>
+          <a:noFill/>
+          <a:ln w="31750">
+            <a:solidFill>
+              <a:srgbClr val="7030A0"/>
+            </a:solidFill>
+            <a:prstDash val="sysDash"/>
+          </a:ln>
+        </p:spPr>
+        <p:style>
+          <a:lnRef idx="2">
+            <a:schemeClr val="accent1">
+              <a:shade val="50000"/>
+            </a:schemeClr>
+          </a:lnRef>
+          <a:fillRef idx="1">
+            <a:schemeClr val="accent1"/>
+          </a:fillRef>
+          <a:effectRef idx="0">
+            <a:schemeClr val="accent1"/>
+          </a:effectRef>
+          <a:fontRef idx="minor">
+            <a:schemeClr val="lt1"/>
+          </a:fontRef>
+        </p:style>
+        <p:txBody>
+          <a:bodyPr rtlCol="0" anchor="ctr"/>
+          <a:lstStyle/>
+          <a:p>
+            <a:pPr algn="ctr"/>
+            <a:endParaRPr lang="zh-CN" altLang="en-US"/>
+          </a:p>
+        </p:txBody>
+      </p:sp>
+      <p:sp>
+        <p:nvSpPr>
+          <p:cNvPr id="13" name="TextBox 12"/>
+          <p:cNvSpPr txBox="1"/>
+          <p:nvPr/>
+        </p:nvSpPr>
+        <p:spPr>
+          <a:xfrm>
+            <a:off x="611560" y="5161756"/>
+            <a:ext cx="1462965" cy="338554"/>
+          </a:xfrm>
+          <a:prstGeom prst="rect">
+            <a:avLst/>
+          </a:prstGeom>
+          <a:noFill/>
+        </p:spPr>
+        <p:txBody>
+          <a:bodyPr wrap="none" rtlCol="0">
+            <a:spAutoFit/>
+          </a:bodyPr>
+          <a:lstStyle/>
+          <a:p>
+            <a:r>
+              <a:rPr lang="en-US" altLang="zh-CN" sz="1600" dirty="0" smtClean="0"/>
+              <a:t>Status </a:t>
+            </a:r>
+            <a:r>
+              <a:rPr lang="en-US" altLang="zh-CN" sz="1600" dirty="0" err="1" smtClean="0"/>
+              <a:t>Toolstrip</a:t>
+            </a:r>
+            <a:endParaRPr lang="zh-CN" altLang="en-US" sz="1600" dirty="0"/>
+          </a:p>
+        </p:txBody>
+      </p:sp>
+      <p:sp>
+        <p:nvSpPr>
+          <p:cNvPr id="14" name="TextBox 13"/>
+          <p:cNvSpPr txBox="1"/>
+          <p:nvPr/>
+        </p:nvSpPr>
+        <p:spPr>
+          <a:xfrm>
+            <a:off x="13373" y="1117711"/>
+            <a:ext cx="1375120" cy="338554"/>
+          </a:xfrm>
+          <a:prstGeom prst="rect">
+            <a:avLst/>
+          </a:prstGeom>
+          <a:noFill/>
+        </p:spPr>
+        <p:txBody>
+          <a:bodyPr wrap="none" rtlCol="0">
+            <a:spAutoFit/>
+          </a:bodyPr>
+          <a:lstStyle/>
+          <a:p>
+            <a:r>
+              <a:rPr lang="en-US" altLang="zh-CN" sz="1600" dirty="0" smtClean="0"/>
+              <a:t>Toolkit Ribbon</a:t>
+            </a:r>
+            <a:endParaRPr lang="zh-CN" altLang="en-US" sz="1600" dirty="0"/>
+          </a:p>
+        </p:txBody>
+      </p:sp>
+      <p:cxnSp>
+        <p:nvCxnSpPr>
+          <p:cNvPr id="15" name="肘形连接符 14"/>
+          <p:cNvCxnSpPr>
+            <a:stCxn id="7" idx="3"/>
+            <a:endCxn id="8" idx="1"/>
+          </p:cNvCxnSpPr>
+          <p:nvPr/>
+        </p:nvCxnSpPr>
+        <p:spPr>
+          <a:xfrm>
+            <a:off x="6516216" y="3385212"/>
+            <a:ext cx="931292" cy="1155307"/>
+          </a:xfrm>
+          <a:prstGeom prst="bentConnector3">
+            <a:avLst/>
+          </a:prstGeom>
+          <a:ln w="31750">
+            <a:solidFill>
+              <a:srgbClr val="00B0F0"/>
+            </a:solidFill>
+            <a:tailEnd type="triangle"/>
+          </a:ln>
+          <a:effectLst>
+            <a:outerShdw blurRad="63500" sx="102000" sy="102000" algn="ctr" rotWithShape="0">
+              <a:prstClr val="black">
+                <a:alpha val="40000"/>
+              </a:prstClr>
+            </a:outerShdw>
+          </a:effectLst>
+        </p:spPr>
+        <p:style>
+          <a:lnRef idx="1">
+            <a:schemeClr val="accent1"/>
+          </a:lnRef>
+          <a:fillRef idx="0">
+            <a:schemeClr val="accent1"/>
+          </a:fillRef>
+          <a:effectRef idx="0">
+            <a:schemeClr val="accent1"/>
+          </a:effectRef>
+          <a:fontRef idx="minor">
+            <a:schemeClr val="tx1"/>
+          </a:fontRef>
+        </p:style>
+      </p:cxnSp>
+      <p:cxnSp>
+        <p:nvCxnSpPr>
+          <p:cNvPr id="19" name="肘形连接符 18"/>
+          <p:cNvCxnSpPr>
+            <a:stCxn id="10" idx="3"/>
+            <a:endCxn id="9" idx="0"/>
+          </p:cNvCxnSpPr>
+          <p:nvPr/>
+        </p:nvCxnSpPr>
+        <p:spPr>
+          <a:xfrm>
+            <a:off x="7236296" y="2368448"/>
+            <a:ext cx="901667" cy="1065116"/>
+          </a:xfrm>
+          <a:prstGeom prst="bentConnector2">
+            <a:avLst/>
+          </a:prstGeom>
+          <a:ln w="31750">
+            <a:solidFill>
+              <a:srgbClr val="00B0F0"/>
+            </a:solidFill>
+            <a:tailEnd type="triangle"/>
+          </a:ln>
+          <a:effectLst>
+            <a:outerShdw blurRad="63500" sx="102000" sy="102000" algn="ctr" rotWithShape="0">
+              <a:prstClr val="black">
+                <a:alpha val="40000"/>
+              </a:prstClr>
+            </a:outerShdw>
+          </a:effectLst>
+        </p:spPr>
+        <p:style>
+          <a:lnRef idx="1">
+            <a:schemeClr val="accent1"/>
+          </a:lnRef>
+          <a:fillRef idx="0">
+            <a:schemeClr val="accent1"/>
+          </a:fillRef>
+          <a:effectRef idx="0">
+            <a:schemeClr val="accent1"/>
+          </a:effectRef>
+          <a:fontRef idx="minor">
+            <a:schemeClr val="tx1"/>
+          </a:fontRef>
+        </p:style>
+      </p:cxnSp>
+      <p:cxnSp>
+        <p:nvCxnSpPr>
+          <p:cNvPr id="23" name="肘形连接符 22"/>
+          <p:cNvCxnSpPr>
+            <a:stCxn id="12" idx="0"/>
+            <a:endCxn id="14" idx="0"/>
+          </p:cNvCxnSpPr>
+          <p:nvPr/>
+        </p:nvCxnSpPr>
+        <p:spPr>
+          <a:xfrm rot="16200000" flipH="1" flipV="1">
+            <a:off x="1841595" y="-28519"/>
+            <a:ext cx="5567" cy="2286891"/>
+          </a:xfrm>
+          <a:prstGeom prst="bentConnector3">
+            <a:avLst>
+              <a:gd name="adj1" fmla="val -4106341"/>
+            </a:avLst>
+          </a:prstGeom>
+          <a:ln w="31750">
+            <a:solidFill>
+              <a:srgbClr val="00B0F0"/>
+            </a:solidFill>
+            <a:tailEnd type="triangle"/>
+          </a:ln>
+          <a:effectLst>
+            <a:outerShdw blurRad="63500" sx="102000" sy="102000" algn="ctr" rotWithShape="0">
+              <a:prstClr val="black">
+                <a:alpha val="40000"/>
+              </a:prstClr>
+            </a:outerShdw>
+          </a:effectLst>
+        </p:spPr>
+        <p:style>
+          <a:lnRef idx="1">
+            <a:schemeClr val="accent1"/>
+          </a:lnRef>
+          <a:fillRef idx="0">
+            <a:schemeClr val="accent1"/>
+          </a:fillRef>
+          <a:effectRef idx="0">
+            <a:schemeClr val="accent1"/>
+          </a:effectRef>
+          <a:fontRef idx="minor">
+            <a:schemeClr val="tx1"/>
+          </a:fontRef>
+        </p:style>
+      </p:cxnSp>
+      <p:cxnSp>
+        <p:nvCxnSpPr>
+          <p:cNvPr id="26" name="肘形连接符 25"/>
+          <p:cNvCxnSpPr>
+            <a:stCxn id="1026" idx="1"/>
+            <a:endCxn id="4" idx="0"/>
+          </p:cNvCxnSpPr>
+          <p:nvPr/>
+        </p:nvCxnSpPr>
+        <p:spPr>
+          <a:xfrm rot="10800000">
+            <a:off x="692986" y="2898917"/>
+            <a:ext cx="782670" cy="191426"/>
+          </a:xfrm>
+          <a:prstGeom prst="bentConnector4">
+            <a:avLst>
+              <a:gd name="adj1" fmla="val 8026"/>
+              <a:gd name="adj2" fmla="val 219420"/>
+            </a:avLst>
+          </a:prstGeom>
+          <a:ln w="31750">
+            <a:solidFill>
+              <a:srgbClr val="00B0F0"/>
+            </a:solidFill>
+            <a:tailEnd type="triangle"/>
+          </a:ln>
+          <a:effectLst>
+            <a:outerShdw blurRad="63500" sx="102000" sy="102000" algn="ctr" rotWithShape="0">
+              <a:prstClr val="black">
+                <a:alpha val="40000"/>
+              </a:prstClr>
+            </a:outerShdw>
+          </a:effectLst>
+        </p:spPr>
+        <p:style>
+          <a:lnRef idx="1">
+            <a:schemeClr val="accent1"/>
+          </a:lnRef>
+          <a:fillRef idx="0">
+            <a:schemeClr val="accent1"/>
+          </a:fillRef>
+          <a:effectRef idx="0">
+            <a:schemeClr val="accent1"/>
+          </a:effectRef>
+          <a:fontRef idx="minor">
+            <a:schemeClr val="tx1"/>
+          </a:fontRef>
+        </p:style>
+      </p:cxnSp>
+      <p:cxnSp>
+        <p:nvCxnSpPr>
+          <p:cNvPr id="30" name="肘形连接符 29"/>
+          <p:cNvCxnSpPr>
+            <a:stCxn id="11" idx="1"/>
+            <a:endCxn id="13" idx="3"/>
+          </p:cNvCxnSpPr>
+          <p:nvPr/>
+        </p:nvCxnSpPr>
+        <p:spPr>
+          <a:xfrm rot="10800000" flipH="1" flipV="1">
+            <a:off x="1475655" y="4930197"/>
+            <a:ext cx="598869" cy="400836"/>
+          </a:xfrm>
+          <a:prstGeom prst="bentConnector5">
+            <a:avLst>
+              <a:gd name="adj1" fmla="val -38172"/>
+              <a:gd name="adj2" fmla="val 45653"/>
+              <a:gd name="adj3" fmla="val 138172"/>
+            </a:avLst>
+          </a:prstGeom>
+          <a:ln w="31750">
+            <a:solidFill>
+              <a:srgbClr val="00B0F0"/>
+            </a:solidFill>
+            <a:tailEnd type="triangle"/>
+          </a:ln>
+          <a:effectLst>
+            <a:outerShdw blurRad="63500" sx="102000" sy="102000" algn="ctr" rotWithShape="0">
+              <a:prstClr val="black">
+                <a:alpha val="40000"/>
+              </a:prstClr>
+            </a:outerShdw>
+          </a:effectLst>
+        </p:spPr>
+        <p:style>
+          <a:lnRef idx="1">
+            <a:schemeClr val="accent1"/>
+          </a:lnRef>
+          <a:fillRef idx="0">
+            <a:schemeClr val="accent1"/>
+          </a:fillRef>
+          <a:effectRef idx="0">
+            <a:schemeClr val="accent1"/>
+          </a:effectRef>
+          <a:fontRef idx="minor">
+            <a:schemeClr val="tx1"/>
+          </a:fontRef>
+        </p:style>
+      </p:cxnSp>
+    </p:spTree>
+    <p:extLst>
+      <p:ext uri="{BB962C8B-B14F-4D97-AF65-F5344CB8AC3E}">
+        <p14:creationId xmlns:p14="http://schemas.microsoft.com/office/powerpoint/2010/main" val="2766128751"/>
+      </p:ext>
+    </p:extLst>
+  </p:cSld>
+  <p:clrMapOvr>
+    <a:masterClrMapping/>
+  </p:clrMapOvr>
+  <p:transition spd="slow" advTm="2000">
+    <p:push dir="u"/>
+  </p:transition>
+  <p:timing>
+    <p:tnLst>
+      <p:par>
+        <p:cTn id="1" dur="indefinite" restart="never" nodeType="tmRoot"/>
+      </p:par>
+    </p:tnLst>
+  </p:timing>
+</p:sld>
+</file>
+
+<file path=ppt/slides/slide6.xml><?xml version="1.0" encoding="utf-8"?>
+<p:sld xmlns:a="http://schemas.openxmlformats.org/drawingml/2006/main" xmlns:r="http://schemas.openxmlformats.org/officeDocument/2006/relationships" xmlns:p="http://schemas.openxmlformats.org/presentationml/2006/main">
+  <p:cSld>
+    <p:spTree>
+      <p:nvGrpSpPr>
+        <p:cNvPr id="1" name=""/>
+        <p:cNvGrpSpPr/>
+        <p:nvPr/>
+      </p:nvGrpSpPr>
+      <p:grpSpPr>
+        <a:xfrm>
+          <a:off x="0" y="0"/>
+          <a:ext cx="0" cy="0"/>
+          <a:chOff x="0" y="0"/>
+          <a:chExt cx="0" cy="0"/>
+        </a:xfrm>
+      </p:grpSpPr>
+      <p:sp>
+        <p:nvSpPr>
+          <p:cNvPr id="3" name="标题 2"/>
+          <p:cNvSpPr>
+            <a:spLocks noGrp="1"/>
+          </p:cNvSpPr>
+          <p:nvPr>
+            <p:ph type="title" idx="4294967295"/>
+          </p:nvPr>
+        </p:nvSpPr>
+        <p:spPr>
+          <a:xfrm>
+            <a:off x="1043608" y="121196"/>
+            <a:ext cx="5400600" cy="648071"/>
+          </a:xfrm>
+        </p:spPr>
+        <p:txBody>
+          <a:bodyPr>
+            <a:normAutofit/>
+          </a:bodyPr>
+          <a:lstStyle/>
+          <a:p>
+            <a:pPr algn="l"/>
+            <a:r>
+              <a:rPr lang="en-US" altLang="zh-CN" sz="3600" dirty="0" smtClean="0">
+                <a:solidFill>
+                  <a:srgbClr val="203864"/>
+                </a:solidFill>
+                <a:latin typeface="Tahoma" panose="020B0604030504040204" pitchFamily="34" charset="0"/>
+                <a:ea typeface="Tahoma" panose="020B0604030504040204" pitchFamily="34" charset="0"/>
+                <a:cs typeface="Tahoma" panose="020B0604030504040204" pitchFamily="34" charset="0"/>
+              </a:rPr>
+              <a:t>View GC-MS </a:t>
+            </a:r>
+            <a:r>
+              <a:rPr lang="en-US" altLang="zh-CN" sz="3600" dirty="0" err="1" smtClean="0">
+                <a:solidFill>
+                  <a:srgbClr val="203864"/>
+                </a:solidFill>
+                <a:latin typeface="Tahoma" panose="020B0604030504040204" pitchFamily="34" charset="0"/>
+                <a:ea typeface="Tahoma" panose="020B0604030504040204" pitchFamily="34" charset="0"/>
+                <a:cs typeface="Tahoma" panose="020B0604030504040204" pitchFamily="34" charset="0"/>
+              </a:rPr>
+              <a:t>Targetted</a:t>
+            </a:r>
+            <a:endParaRPr lang="zh-CN" altLang="en-US" sz="3600" dirty="0">
+              <a:solidFill>
+                <a:srgbClr val="203864"/>
+              </a:solidFill>
+              <a:latin typeface="Tahoma" panose="020B0604030504040204" pitchFamily="34" charset="0"/>
+              <a:ea typeface="Tahoma" panose="020B0604030504040204" pitchFamily="34" charset="0"/>
+              <a:cs typeface="Tahoma" panose="020B0604030504040204" pitchFamily="34" charset="0"/>
+            </a:endParaRPr>
+          </a:p>
+        </p:txBody>
+      </p:sp>
+      <p:sp>
+        <p:nvSpPr>
+          <p:cNvPr id="5" name="内容占位符 4"/>
+          <p:cNvSpPr>
+            <a:spLocks noGrp="1"/>
+          </p:cNvSpPr>
+          <p:nvPr>
+            <p:ph idx="4294967295"/>
+          </p:nvPr>
+        </p:nvSpPr>
+        <p:spPr>
+          <a:xfrm>
+            <a:off x="457200" y="4297660"/>
+            <a:ext cx="8229600" cy="864096"/>
+          </a:xfrm>
+        </p:spPr>
+        <p:txBody>
+          <a:bodyPr>
+            <a:normAutofit fontScale="25000" lnSpcReduction="20000"/>
+          </a:bodyPr>
+          <a:lstStyle/>
+          <a:p>
+            <a:r>
+              <a:rPr lang="en-US" altLang="zh-CN" sz="2400" dirty="0" err="1" smtClean="0">
+                <a:solidFill>
+                  <a:srgbClr val="203864"/>
+                </a:solidFill>
+                <a:latin typeface="Tahoma" panose="020B0604030504040204" pitchFamily="34" charset="0"/>
+                <a:ea typeface="Tahoma" panose="020B0604030504040204" pitchFamily="34" charset="0"/>
+                <a:cs typeface="Tahoma" panose="020B0604030504040204" pitchFamily="34" charset="0"/>
+              </a:rPr>
+              <a:t>Mzkit</a:t>
+            </a:r>
+            <a:r>
+              <a:rPr lang="en-US" altLang="zh-CN" sz="2400" dirty="0" smtClean="0">
+                <a:solidFill>
+                  <a:srgbClr val="203864"/>
+                </a:solidFill>
+                <a:latin typeface="Tahoma" panose="020B0604030504040204" pitchFamily="34" charset="0"/>
+                <a:ea typeface="Tahoma" panose="020B0604030504040204" pitchFamily="34" charset="0"/>
+                <a:cs typeface="Tahoma" panose="020B0604030504040204" pitchFamily="34" charset="0"/>
+              </a:rPr>
+              <a:t> application and its </a:t>
+            </a:r>
+            <a:r>
+              <a:rPr lang="en-US" altLang="zh-CN" sz="2400" dirty="0">
+                <a:solidFill>
+                  <a:srgbClr val="203864"/>
+                </a:solidFill>
+                <a:latin typeface="Tahoma" panose="020B0604030504040204" pitchFamily="34" charset="0"/>
+                <a:ea typeface="Tahoma" panose="020B0604030504040204" pitchFamily="34" charset="0"/>
+                <a:cs typeface="Tahoma" panose="020B0604030504040204" pitchFamily="34" charset="0"/>
+              </a:rPr>
+              <a:t>source code is </a:t>
+            </a:r>
+            <a:r>
+              <a:rPr lang="en-US" altLang="zh-CN" sz="2400" dirty="0" smtClean="0">
+                <a:solidFill>
+                  <a:srgbClr val="203864"/>
+                </a:solidFill>
+                <a:latin typeface="Tahoma" panose="020B0604030504040204" pitchFamily="34" charset="0"/>
+                <a:ea typeface="Tahoma" panose="020B0604030504040204" pitchFamily="34" charset="0"/>
+                <a:cs typeface="Tahoma" panose="020B0604030504040204" pitchFamily="34" charset="0"/>
+              </a:rPr>
+              <a:t>distributed under the MIT open source license</a:t>
+            </a:r>
+          </a:p>
+          <a:p>
+            <a:endParaRPr lang="en-US" altLang="zh-CN" sz="2400" dirty="0">
+              <a:solidFill>
+                <a:srgbClr val="203864"/>
+              </a:solidFill>
+              <a:latin typeface="Tahoma" panose="020B0604030504040204" pitchFamily="34" charset="0"/>
+              <a:ea typeface="Tahoma" panose="020B0604030504040204" pitchFamily="34" charset="0"/>
+              <a:cs typeface="Tahoma" panose="020B0604030504040204" pitchFamily="34" charset="0"/>
+            </a:endParaRPr>
+          </a:p>
+          <a:p>
+            <a:r>
+              <a:rPr lang="en-US" altLang="zh-CN" sz="2400" dirty="0" smtClean="0">
+                <a:solidFill>
+                  <a:srgbClr val="203864"/>
+                </a:solidFill>
+                <a:latin typeface="Tahoma" panose="020B0604030504040204" pitchFamily="34" charset="0"/>
+                <a:ea typeface="Tahoma" panose="020B0604030504040204" pitchFamily="34" charset="0"/>
+                <a:cs typeface="Tahoma" panose="020B0604030504040204" pitchFamily="34" charset="0"/>
+              </a:rPr>
+              <a:t>Source Code:</a:t>
+            </a:r>
+          </a:p>
+          <a:p>
+            <a:r>
+              <a:rPr lang="en-US" altLang="zh-CN" sz="2400" dirty="0">
+                <a:solidFill>
+                  <a:srgbClr val="203864"/>
+                </a:solidFill>
+                <a:latin typeface="Tahoma" panose="020B0604030504040204" pitchFamily="34" charset="0"/>
+                <a:ea typeface="Tahoma" panose="020B0604030504040204" pitchFamily="34" charset="0"/>
+                <a:cs typeface="Tahoma" panose="020B0604030504040204" pitchFamily="34" charset="0"/>
+              </a:rPr>
+              <a:t>https://</a:t>
+            </a:r>
+            <a:r>
+              <a:rPr lang="en-US" altLang="zh-CN" sz="2400" dirty="0" smtClean="0">
+                <a:solidFill>
+                  <a:srgbClr val="203864"/>
+                </a:solidFill>
+                <a:latin typeface="Tahoma" panose="020B0604030504040204" pitchFamily="34" charset="0"/>
+                <a:ea typeface="Tahoma" panose="020B0604030504040204" pitchFamily="34" charset="0"/>
+                <a:cs typeface="Tahoma" panose="020B0604030504040204" pitchFamily="34" charset="0"/>
+              </a:rPr>
+              <a:t>github.com/xieguigang/mzkit</a:t>
+            </a:r>
+          </a:p>
+          <a:p>
+            <a:endParaRPr lang="en-US" altLang="zh-CN" sz="2400" dirty="0">
+              <a:solidFill>
+                <a:srgbClr val="203864"/>
+              </a:solidFill>
+              <a:latin typeface="Tahoma" panose="020B0604030504040204" pitchFamily="34" charset="0"/>
+              <a:ea typeface="Tahoma" panose="020B0604030504040204" pitchFamily="34" charset="0"/>
+              <a:cs typeface="Tahoma" panose="020B0604030504040204" pitchFamily="34" charset="0"/>
+            </a:endParaRPr>
+          </a:p>
+          <a:p>
+            <a:r>
+              <a:rPr lang="en-US" altLang="zh-CN" sz="2400" dirty="0" smtClean="0">
+                <a:solidFill>
+                  <a:srgbClr val="203864"/>
+                </a:solidFill>
+                <a:latin typeface="Tahoma" panose="020B0604030504040204" pitchFamily="34" charset="0"/>
+                <a:ea typeface="Tahoma" panose="020B0604030504040204" pitchFamily="34" charset="0"/>
+                <a:cs typeface="Tahoma" panose="020B0604030504040204" pitchFamily="34" charset="0"/>
+              </a:rPr>
+              <a:t>Downloads:</a:t>
+            </a:r>
+          </a:p>
+          <a:p>
+            <a:r>
+              <a:rPr lang="en-US" altLang="zh-CN" sz="2400" dirty="0">
+                <a:solidFill>
+                  <a:srgbClr val="203864"/>
+                </a:solidFill>
+                <a:latin typeface="Tahoma" panose="020B0604030504040204" pitchFamily="34" charset="0"/>
+                <a:ea typeface="Tahoma" panose="020B0604030504040204" pitchFamily="34" charset="0"/>
+                <a:cs typeface="Tahoma" panose="020B0604030504040204" pitchFamily="34" charset="0"/>
+              </a:rPr>
+              <a:t>http://</a:t>
+            </a:r>
+            <a:r>
+              <a:rPr lang="en-US" altLang="zh-CN" sz="2400" dirty="0" smtClean="0">
+                <a:solidFill>
+                  <a:srgbClr val="203864"/>
+                </a:solidFill>
+                <a:latin typeface="Tahoma" panose="020B0604030504040204" pitchFamily="34" charset="0"/>
+                <a:ea typeface="Tahoma" panose="020B0604030504040204" pitchFamily="34" charset="0"/>
+                <a:cs typeface="Tahoma" panose="020B0604030504040204" pitchFamily="34" charset="0"/>
+              </a:rPr>
+              <a:t>www.biodeep.cn/downloads?lang=en-US</a:t>
+            </a:r>
+          </a:p>
+          <a:p>
+            <a:endParaRPr lang="en-US" altLang="zh-CN" sz="2400" dirty="0" smtClean="0">
+              <a:solidFill>
+                <a:srgbClr val="203864"/>
+              </a:solidFill>
+              <a:latin typeface="Tahoma" panose="020B0604030504040204" pitchFamily="34" charset="0"/>
+              <a:ea typeface="Tahoma" panose="020B0604030504040204" pitchFamily="34" charset="0"/>
+              <a:cs typeface="Tahoma" panose="020B0604030504040204" pitchFamily="34" charset="0"/>
+            </a:endParaRPr>
+          </a:p>
+          <a:p>
+            <a:endParaRPr lang="en-US" altLang="zh-CN" sz="2400" dirty="0" smtClean="0">
+              <a:solidFill>
+                <a:srgbClr val="203864"/>
+              </a:solidFill>
+              <a:latin typeface="Tahoma" panose="020B0604030504040204" pitchFamily="34" charset="0"/>
+              <a:ea typeface="Tahoma" panose="020B0604030504040204" pitchFamily="34" charset="0"/>
+              <a:cs typeface="Tahoma" panose="020B0604030504040204" pitchFamily="34" charset="0"/>
+            </a:endParaRPr>
+          </a:p>
+        </p:txBody>
+      </p:sp>
+    </p:spTree>
+    <p:extLst>
+      <p:ext uri="{BB962C8B-B14F-4D97-AF65-F5344CB8AC3E}">
+        <p14:creationId xmlns:p14="http://schemas.microsoft.com/office/powerpoint/2010/main" val="2053841173"/>
+      </p:ext>
+    </p:extLst>
+  </p:cSld>
+  <p:clrMapOvr>
+    <a:masterClrMapping/>
+  </p:clrMapOvr>
+  <p:transition spd="slow" advTm="2000">
+    <p:push dir="u"/>
+  </p:transition>
+  <p:timing>
+    <p:tnLst>
+      <p:par>
+        <p:cTn id="1" dur="indefinite" restart="never" nodeType="tmRoot"/>
+      </p:par>
+    </p:tnLst>
+  </p:timing>
+</p:sld>
+</file>
+
+<file path=ppt/slides/slide7.xml><?xml version="1.0" encoding="utf-8"?>
 <p:sld xmlns:a="http://schemas.openxmlformats.org/drawingml/2006/main" xmlns:r="http://schemas.openxmlformats.org/officeDocument/2006/relationships" xmlns:p="http://schemas.openxmlformats.org/presentationml/2006/main">
   <p:cSld>
     <p:spTree>

--- a/src/mzkit/man.pptx
+++ b/src/mzkit/man.pptx
@@ -118,7 +118,7 @@
   </p:defaultTextStyle>
   <p:extLst>
     <p:ext uri="{EFAFB233-063F-42B5-8137-9DF3F51BA10A}">
-      <p15:sldGuideLst xmlns:p15="http://schemas.microsoft.com/office/powerpoint/2012/main" xmlns="">
+      <p15:sldGuideLst xmlns="" xmlns:p15="http://schemas.microsoft.com/office/powerpoint/2012/main">
         <p15:guide id="1" orient="horz" pos="1800">
           <p15:clr>
             <a:srgbClr val="A4A3A4"/>
@@ -132,7 +132,7 @@
       </p15:sldGuideLst>
     </p:ext>
     <p:ext uri="{2D200454-40CA-4A62-9FC3-DE9A4176ACB9}">
-      <p15:notesGuideLst xmlns:p15="http://schemas.microsoft.com/office/powerpoint/2012/main" xmlns="">
+      <p15:notesGuideLst xmlns="" xmlns:p15="http://schemas.microsoft.com/office/powerpoint/2012/main">
         <p15:guide id="1" orient="horz" pos="2880">
           <p15:clr>
             <a:srgbClr val="A4A3A4"/>
